--- a/프로토타입 2-5(주민수, 김균호, 한훈영) .pptx
+++ b/프로토타입 2-5(주민수, 김균호, 한훈영) .pptx
@@ -1,29 +1,32 @@
 
 <file path=ppt/presentation.xml><?xml version="1.0" encoding="utf-8"?>
-<p:presentation xmlns:a="http://schemas.openxmlformats.org/drawingml/2006/main" xmlns:r="http://schemas.openxmlformats.org/officeDocument/2006/relationships" xmlns:p="http://schemas.openxmlformats.org/presentationml/2006/main" saveSubsetFonts="1">
+<p:presentation xmlns:r="http://schemas.openxmlformats.org/officeDocument/2006/relationships" xmlns:c="http://schemas.openxmlformats.org/drawingml/2006/chart" xmlns:a="http://schemas.openxmlformats.org/drawingml/2006/main" xmlns:dgm="http://schemas.openxmlformats.org/drawingml/2006/diagram" xmlns:dsp="http://schemas.microsoft.com/office/drawing/2008/diagram" xmlns:p="http://schemas.openxmlformats.org/presentationml/2006/main" saveSubsetFonts="1">
   <p:sldMasterIdLst>
-    <p:sldMasterId id="2147483732" r:id="rId1"/>
+    <p:sldMasterId id="2147483745" r:id="rId1"/>
   </p:sldMasterIdLst>
   <p:notesMasterIdLst>
-    <p:notesMasterId r:id="rId18"/>
+    <p:notesMasterId r:id="rId2"/>
   </p:notesMasterIdLst>
+  <p:handoutMasterIdLst>
+    <p:handoutMasterId r:id="rId3"/>
+  </p:handoutMasterIdLst>
   <p:sldIdLst>
-    <p:sldId id="256" r:id="rId2"/>
-    <p:sldId id="257" r:id="rId3"/>
-    <p:sldId id="258" r:id="rId4"/>
-    <p:sldId id="281" r:id="rId5"/>
-    <p:sldId id="259" r:id="rId6"/>
-    <p:sldId id="272" r:id="rId7"/>
-    <p:sldId id="279" r:id="rId8"/>
-    <p:sldId id="280" r:id="rId9"/>
-    <p:sldId id="302" r:id="rId10"/>
-    <p:sldId id="300" r:id="rId11"/>
-    <p:sldId id="304" r:id="rId12"/>
-    <p:sldId id="303" r:id="rId13"/>
-    <p:sldId id="274" r:id="rId14"/>
-    <p:sldId id="275" r:id="rId15"/>
-    <p:sldId id="276" r:id="rId16"/>
-    <p:sldId id="267" r:id="rId17"/>
+    <p:sldId id="256" r:id="rId4"/>
+    <p:sldId id="257" r:id="rId5"/>
+    <p:sldId id="258" r:id="rId6"/>
+    <p:sldId id="259" r:id="rId7"/>
+    <p:sldId id="260" r:id="rId8"/>
+    <p:sldId id="261" r:id="rId9"/>
+    <p:sldId id="262" r:id="rId10"/>
+    <p:sldId id="263" r:id="rId11"/>
+    <p:sldId id="264" r:id="rId12"/>
+    <p:sldId id="265" r:id="rId13"/>
+    <p:sldId id="266" r:id="rId14"/>
+    <p:sldId id="267" r:id="rId15"/>
+    <p:sldId id="268" r:id="rId16"/>
+    <p:sldId id="269" r:id="rId17"/>
+    <p:sldId id="270" r:id="rId18"/>
+    <p:sldId id="271" r:id="rId19"/>
   </p:sldIdLst>
   <p:sldSz cx="9144000" cy="6858000" type="screen4x3"/>
   <p:notesSz cx="6858000" cy="9144000"/>
@@ -122,27 +125,11 @@
       </a:defRPr>
     </a:lvl9pPr>
   </p:defaultTextStyle>
-  <p:extLst>
-    <p:ext uri="{EFAFB233-063F-42B5-8137-9DF3F51BA10A}">
-      <p15:sldGuideLst xmlns:p15="http://schemas.microsoft.com/office/powerpoint/2012/main" xmlns="">
-        <p15:guide id="1" orient="horz" pos="2160">
-          <p15:clr>
-            <a:srgbClr val="A4A3A4"/>
-          </p15:clr>
-        </p15:guide>
-        <p15:guide id="2" pos="2880">
-          <p15:clr>
-            <a:srgbClr val="A4A3A4"/>
-          </p15:clr>
-        </p15:guide>
-      </p15:sldGuideLst>
-    </p:ext>
-  </p:extLst>
 </p:presentation>
 </file>
 
-<file path=ppt/notesMasters/notesMaster1.xml><?xml version="1.0" encoding="utf-8"?>
-<p:notesMaster xmlns:a="http://schemas.openxmlformats.org/drawingml/2006/main" xmlns:r="http://schemas.openxmlformats.org/officeDocument/2006/relationships" xmlns:p="http://schemas.openxmlformats.org/presentationml/2006/main">
+<file path=ppt/handoutMasters/handoutMaster1.xml><?xml version="1.0" encoding="utf-8"?>
+<p:handoutMaster xmlns:r="http://schemas.openxmlformats.org/officeDocument/2006/relationships" xmlns:c="http://schemas.openxmlformats.org/drawingml/2006/chart" xmlns:a="http://schemas.openxmlformats.org/drawingml/2006/main" xmlns:dgm="http://schemas.openxmlformats.org/drawingml/2006/diagram" xmlns:dsp="http://schemas.microsoft.com/office/drawing/2008/diagram" xmlns:p="http://schemas.openxmlformats.org/presentationml/2006/main">
   <p:cSld>
     <p:bg>
       <p:bgRef idx="1001">
@@ -170,7 +157,193 @@
             <a:spLocks noGrp="1"/>
           </p:cNvSpPr>
           <p:nvPr>
-            <p:ph type="hdr" sz="quarter"/>
+            <p:ph type="hdr" sz="quarter" idx="0"/>
+          </p:nvPr>
+        </p:nvSpPr>
+        <p:spPr>
+          <a:xfrm>
+            <a:off x="0" y="0"/>
+            <a:ext cx="2971800" cy="457200"/>
+          </a:xfrm>
+          <a:prstGeom prst="rect">
+            <a:avLst/>
+          </a:prstGeom>
+        </p:spPr>
+        <p:txBody>
+          <a:bodyPr vert="horz" lIns="91440" tIns="45720" rIns="91440" bIns="45720"/>
+          <a:lstStyle>
+            <a:lvl1pPr algn="l">
+              <a:defRPr sz="1200"/>
+            </a:lvl1pPr>
+          </a:lstStyle>
+          <a:p>
+            <a:pPr lvl="0">
+              <a:defRPr lang="ko-KR" altLang="en-US"/>
+            </a:pPr>
+            <a:r>
+              <a:rPr lang="ko-KR" altLang="en-US"/>
+              <a:t/>
+            </a:r>
+            <a:endParaRPr lang="ko-KR" altLang="en-US"/>
+          </a:p>
+        </p:txBody>
+      </p:sp>
+      <p:sp>
+        <p:nvSpPr>
+          <p:cNvPr id="3" name="날짜 개체 틀 2"/>
+          <p:cNvSpPr>
+            <a:spLocks noGrp="1"/>
+          </p:cNvSpPr>
+          <p:nvPr>
+            <p:ph type="dt" sz="quarter" idx="1"/>
+          </p:nvPr>
+        </p:nvSpPr>
+        <p:spPr>
+          <a:xfrm>
+            <a:off x="3884613" y="0"/>
+            <a:ext cx="2971800" cy="457200"/>
+          </a:xfrm>
+          <a:prstGeom prst="rect">
+            <a:avLst/>
+          </a:prstGeom>
+        </p:spPr>
+        <p:txBody>
+          <a:bodyPr vert="horz" lIns="91440" tIns="45720" rIns="91440" bIns="45720"/>
+          <a:lstStyle>
+            <a:lvl1pPr algn="r">
+              <a:defRPr sz="1200"/>
+            </a:lvl1pPr>
+          </a:lstStyle>
+          <a:p>
+            <a:pPr lvl="0">
+              <a:defRPr lang="ko-KR" altLang="en-US"/>
+            </a:pPr>
+            <a:fld id="{D8D7A7C4-C82A-4D21-9AB0-F0C5A1D3EF09}" type="datetime1">
+              <a:rPr lang="ko-KR" altLang="en-US"/>
+              <a:pPr lvl="0">
+                <a:defRPr lang="ko-KR" altLang="en-US"/>
+              </a:pPr>
+              <a:t>2018-05-16</a:t>
+            </a:fld>
+            <a:endParaRPr lang="ko-KR" altLang="en-US"/>
+          </a:p>
+        </p:txBody>
+      </p:sp>
+      <p:sp>
+        <p:nvSpPr>
+          <p:cNvPr id="4" name="바닥글 개체 틀 3"/>
+          <p:cNvSpPr>
+            <a:spLocks noGrp="1"/>
+          </p:cNvSpPr>
+          <p:nvPr>
+            <p:ph type="ftr" sz="quarter" idx="2"/>
+          </p:nvPr>
+        </p:nvSpPr>
+        <p:spPr>
+          <a:xfrm>
+            <a:off x="0" y="8685213"/>
+            <a:ext cx="2971800" cy="457200"/>
+          </a:xfrm>
+          <a:prstGeom prst="rect">
+            <a:avLst/>
+          </a:prstGeom>
+        </p:spPr>
+        <p:txBody>
+          <a:bodyPr vert="horz" lIns="91440" tIns="45720" rIns="91440" bIns="45720" anchor="b"/>
+          <a:lstStyle>
+            <a:lvl1pPr algn="l">
+              <a:defRPr sz="1200"/>
+            </a:lvl1pPr>
+          </a:lstStyle>
+          <a:p>
+            <a:pPr lvl="0">
+              <a:defRPr lang="ko-KR" altLang="en-US"/>
+            </a:pPr>
+            <a:r>
+              <a:rPr lang="ko-KR" altLang="en-US"/>
+              <a:t/>
+            </a:r>
+            <a:endParaRPr lang="ko-KR" altLang="en-US"/>
+          </a:p>
+        </p:txBody>
+      </p:sp>
+      <p:sp>
+        <p:nvSpPr>
+          <p:cNvPr id="5" name="슬라이드 번호 개체 틀 4"/>
+          <p:cNvSpPr>
+            <a:spLocks noGrp="1"/>
+          </p:cNvSpPr>
+          <p:nvPr>
+            <p:ph type="sldNum" sz="quarter" idx="3"/>
+          </p:nvPr>
+        </p:nvSpPr>
+        <p:spPr>
+          <a:xfrm>
+            <a:off x="3884613" y="8685213"/>
+            <a:ext cx="2971800" cy="457200"/>
+          </a:xfrm>
+          <a:prstGeom prst="rect">
+            <a:avLst/>
+          </a:prstGeom>
+        </p:spPr>
+        <p:txBody>
+          <a:bodyPr vert="horz" lIns="91440" tIns="45720" rIns="91440" bIns="45720" anchor="b"/>
+          <a:lstStyle>
+            <a:lvl1pPr algn="r">
+              <a:defRPr sz="1200"/>
+            </a:lvl1pPr>
+          </a:lstStyle>
+          <a:p>
+            <a:pPr lvl="0">
+              <a:defRPr lang="ko-KR" altLang="en-US"/>
+            </a:pPr>
+            <a:fld id="{F450E784-2449-4FFD-AA69-3F5CFAA75BCB}" type="slidenum">
+              <a:rPr lang="ko-KR" altLang="en-US"/>
+              <a:pPr lvl="0">
+                <a:defRPr lang="ko-KR" altLang="en-US"/>
+              </a:pPr>
+              <a:t>‹#›</a:t>
+            </a:fld>
+            <a:endParaRPr lang="ko-KR" altLang="en-US"/>
+          </a:p>
+        </p:txBody>
+      </p:sp>
+    </p:spTree>
+  </p:cSld>
+  <p:clrMap bg1="lt1" tx1="dk1" bg2="lt2" tx2="dk2" accent1="accent1" accent2="accent2" accent3="accent3" accent4="accent4" accent5="accent5" accent6="accent6" hlink="hlink" folHlink="folHlink"/>
+</p:handoutMaster>
+</file>
+
+<file path=ppt/notesMasters/notesMaster1.xml><?xml version="1.0" encoding="utf-8"?>
+<p:notesMaster xmlns:r="http://schemas.openxmlformats.org/officeDocument/2006/relationships" xmlns:c="http://schemas.openxmlformats.org/drawingml/2006/chart" xmlns:a="http://schemas.openxmlformats.org/drawingml/2006/main" xmlns:dgm="http://schemas.openxmlformats.org/drawingml/2006/diagram" xmlns:dsp="http://schemas.microsoft.com/office/drawing/2008/diagram" xmlns:p="http://schemas.openxmlformats.org/presentationml/2006/main">
+  <p:cSld>
+    <p:bg>
+      <p:bgRef idx="1001">
+        <a:schemeClr val="bg1"/>
+      </p:bgRef>
+    </p:bg>
+    <p:spTree>
+      <p:nvGrpSpPr>
+        <p:cNvPr id="1" name=""/>
+        <p:cNvGrpSpPr/>
+        <p:nvPr/>
+      </p:nvGrpSpPr>
+      <p:grpSpPr>
+        <a:xfrm>
+          <a:off x="0" y="0"/>
+          <a:ext cx="0" cy="0"/>
+          <a:chOff x="0" y="0"/>
+          <a:chExt cx="0" cy="0"/>
+        </a:xfrm>
+      </p:grpSpPr>
+      <p:sp>
+        <p:nvSpPr>
+          <p:cNvPr id="2" name="머리글 개체 틀 1"/>
+          <p:cNvSpPr>
+            <a:spLocks noGrp="1"/>
+          </p:cNvSpPr>
+          <p:nvPr>
+            <p:ph type="hdr" sz="quarter" idx="0"/>
           </p:nvPr>
         </p:nvSpPr>
         <p:spPr>
@@ -183,13 +356,20 @@
           </a:prstGeom>
         </p:spPr>
         <p:txBody>
-          <a:bodyPr vert="horz" lIns="91440" tIns="45720" rIns="91440" bIns="45720" rtlCol="0"/>
+          <a:bodyPr vert="horz" lIns="91440" tIns="45720" rIns="91440" bIns="45720"/>
           <a:lstStyle>
             <a:lvl1pPr algn="l">
               <a:defRPr sz="1200"/>
             </a:lvl1pPr>
           </a:lstStyle>
           <a:p>
+            <a:pPr lvl="0">
+              <a:defRPr lang="ko-KR" altLang="en-US"/>
+            </a:pPr>
+            <a:r>
+              <a:rPr lang="ko-KR" altLang="en-US"/>
+              <a:t/>
+            </a:r>
             <a:endParaRPr lang="ko-KR" altLang="en-US"/>
           </a:p>
         </p:txBody>
@@ -214,16 +394,22 @@
           </a:prstGeom>
         </p:spPr>
         <p:txBody>
-          <a:bodyPr vert="horz" lIns="91440" tIns="45720" rIns="91440" bIns="45720" rtlCol="0"/>
+          <a:bodyPr vert="horz" lIns="91440" tIns="45720" rIns="91440" bIns="45720"/>
           <a:lstStyle>
             <a:lvl1pPr algn="r">
               <a:defRPr sz="1200"/>
             </a:lvl1pPr>
           </a:lstStyle>
           <a:p>
-            <a:fld id="{A20BC2BE-F516-46E8-BACF-BAD652535150}" type="datetimeFigureOut">
-              <a:rPr lang="ko-KR" altLang="en-US" smtClean="0"/>
-              <a:t>2018-04-26</a:t>
+            <a:pPr lvl="0">
+              <a:defRPr lang="ko-KR" altLang="en-US"/>
+            </a:pPr>
+            <a:fld id="{A20BC2BE-F516-46E8-BACF-BAD652535150}" type="datetime1">
+              <a:rPr lang="ko-KR" altLang="en-US"/>
+              <a:pPr lvl="0">
+                <a:defRPr lang="ko-KR" altLang="en-US"/>
+              </a:pPr>
+              <a:t>2018-05-16</a:t>
             </a:fld>
             <a:endParaRPr lang="ko-KR" altLang="en-US"/>
           </a:p>
@@ -233,7 +419,7 @@
         <p:nvSpPr>
           <p:cNvPr id="4" name="슬라이드 이미지 개체 틀 3"/>
           <p:cNvSpPr>
-            <a:spLocks noGrp="1" noRot="1" noChangeAspect="1"/>
+            <a:spLocks noGrp="1" noRot="1" noChangeAspect="1" noTextEdit="1"/>
           </p:cNvSpPr>
           <p:nvPr>
             <p:ph type="sldImg" idx="2"/>
@@ -255,9 +441,12 @@
           </a:ln>
         </p:spPr>
         <p:txBody>
-          <a:bodyPr vert="horz" lIns="91440" tIns="45720" rIns="91440" bIns="45720" rtlCol="0" anchor="ctr"/>
+          <a:bodyPr vert="horz" lIns="91440" tIns="45720" rIns="91440" bIns="45720" anchor="ctr"/>
           <a:lstStyle/>
           <a:p>
+            <a:pPr lvl="0">
+              <a:defRPr lang="ko-KR" altLang="en-US"/>
+            </a:pPr>
             <a:endParaRPr lang="ko-KR" altLang="en-US"/>
           </a:p>
         </p:txBody>
@@ -282,42 +471,57 @@
           </a:prstGeom>
         </p:spPr>
         <p:txBody>
-          <a:bodyPr vert="horz" lIns="91440" tIns="45720" rIns="91440" bIns="45720" rtlCol="0"/>
+          <a:bodyPr vert="horz" lIns="91440" tIns="45720" rIns="91440" bIns="45720"/>
           <a:lstStyle/>
           <a:p>
-            <a:pPr lvl="0"/>
+            <a:pPr lvl="0">
+              <a:defRPr lang="ko-KR" altLang="en-US"/>
+            </a:pPr>
             <a:r>
               <a:rPr lang="ko-KR" altLang="en-US"/>
               <a:t>마스터 텍스트 스타일 편집</a:t>
             </a:r>
-          </a:p>
-          <a:p>
-            <a:pPr lvl="1"/>
+            <a:endParaRPr lang="ko-KR" altLang="en-US"/>
+          </a:p>
+          <a:p>
+            <a:pPr lvl="1">
+              <a:defRPr lang="ko-KR" altLang="en-US"/>
+            </a:pPr>
             <a:r>
               <a:rPr lang="ko-KR" altLang="en-US"/>
               <a:t>둘째 수준</a:t>
             </a:r>
-          </a:p>
-          <a:p>
-            <a:pPr lvl="2"/>
+            <a:endParaRPr lang="ko-KR" altLang="en-US"/>
+          </a:p>
+          <a:p>
+            <a:pPr lvl="2">
+              <a:defRPr lang="ko-KR" altLang="en-US"/>
+            </a:pPr>
             <a:r>
               <a:rPr lang="ko-KR" altLang="en-US"/>
               <a:t>셋째 수준</a:t>
             </a:r>
-          </a:p>
-          <a:p>
-            <a:pPr lvl="3"/>
+            <a:endParaRPr lang="ko-KR" altLang="en-US"/>
+          </a:p>
+          <a:p>
+            <a:pPr lvl="3">
+              <a:defRPr lang="ko-KR" altLang="en-US"/>
+            </a:pPr>
             <a:r>
               <a:rPr lang="ko-KR" altLang="en-US"/>
               <a:t>넷째 수준</a:t>
             </a:r>
-          </a:p>
-          <a:p>
-            <a:pPr lvl="4"/>
+            <a:endParaRPr lang="ko-KR" altLang="en-US"/>
+          </a:p>
+          <a:p>
+            <a:pPr lvl="4">
+              <a:defRPr lang="ko-KR" altLang="en-US"/>
+            </a:pPr>
             <a:r>
               <a:rPr lang="ko-KR" altLang="en-US"/>
               <a:t>다섯째 수준</a:t>
             </a:r>
+            <a:endParaRPr lang="ko-KR" altLang="en-US"/>
           </a:p>
         </p:txBody>
       </p:sp>
@@ -341,13 +545,20 @@
           </a:prstGeom>
         </p:spPr>
         <p:txBody>
-          <a:bodyPr vert="horz" lIns="91440" tIns="45720" rIns="91440" bIns="45720" rtlCol="0" anchor="b"/>
+          <a:bodyPr vert="horz" lIns="91440" tIns="45720" rIns="91440" bIns="45720" anchor="b"/>
           <a:lstStyle>
             <a:lvl1pPr algn="l">
               <a:defRPr sz="1200"/>
             </a:lvl1pPr>
           </a:lstStyle>
           <a:p>
+            <a:pPr lvl="0">
+              <a:defRPr lang="ko-KR" altLang="en-US"/>
+            </a:pPr>
+            <a:r>
+              <a:rPr lang="ko-KR" altLang="en-US"/>
+              <a:t/>
+            </a:r>
             <a:endParaRPr lang="ko-KR" altLang="en-US"/>
           </a:p>
         </p:txBody>
@@ -372,15 +583,21 @@
           </a:prstGeom>
         </p:spPr>
         <p:txBody>
-          <a:bodyPr vert="horz" lIns="91440" tIns="45720" rIns="91440" bIns="45720" rtlCol="0" anchor="b"/>
+          <a:bodyPr vert="horz" lIns="91440" tIns="45720" rIns="91440" bIns="45720" anchor="b"/>
           <a:lstStyle>
             <a:lvl1pPr algn="r">
               <a:defRPr sz="1200"/>
             </a:lvl1pPr>
           </a:lstStyle>
           <a:p>
+            <a:pPr lvl="0">
+              <a:defRPr lang="ko-KR" altLang="en-US"/>
+            </a:pPr>
             <a:fld id="{F904ADC8-CC4E-428C-95F1-C1DD56CB26C9}" type="slidenum">
-              <a:rPr lang="ko-KR" altLang="en-US" smtClean="0"/>
+              <a:rPr lang="ko-KR" altLang="en-US"/>
+              <a:pPr lvl="0">
+                <a:defRPr lang="ko-KR" altLang="en-US"/>
+              </a:pPr>
               <a:t>‹#›</a:t>
             </a:fld>
             <a:endParaRPr lang="ko-KR" altLang="en-US"/>
@@ -388,13 +605,9 @@
         </p:txBody>
       </p:sp>
     </p:spTree>
-    <p:extLst>
-      <p:ext uri="{BB962C8B-B14F-4D97-AF65-F5344CB8AC3E}">
-        <p14:creationId xmlns:p14="http://schemas.microsoft.com/office/powerpoint/2010/main" val="3375552506"/>
-      </p:ext>
-    </p:extLst>
   </p:cSld>
   <p:clrMap bg1="lt1" tx1="dk1" bg2="lt2" tx2="dk2" accent1="accent1" accent2="accent2" accent3="accent3" accent4="accent4" accent5="accent5" accent6="accent6" hlink="hlink" folHlink="folHlink"/>
+  <p:hf hdr="0" ftr="0" dt="0"/>
   <p:notesStyle>
     <a:lvl1pPr marL="0" algn="l" defTabSz="914400" rtl="0" eaLnBrk="1" latinLnBrk="1" hangingPunct="1">
       <a:defRPr sz="1200" kern="1200">
@@ -491,7 +704,7 @@
 </file>
 
 <file path=ppt/notesSlides/notesSlide1.xml><?xml version="1.0" encoding="utf-8"?>
-<p:notes xmlns:a="http://schemas.openxmlformats.org/drawingml/2006/main" xmlns:r="http://schemas.openxmlformats.org/officeDocument/2006/relationships" xmlns:p="http://schemas.openxmlformats.org/presentationml/2006/main">
+<p:notes xmlns:r="http://schemas.openxmlformats.org/officeDocument/2006/relationships" xmlns:c="http://schemas.openxmlformats.org/drawingml/2006/chart" xmlns:a="http://schemas.openxmlformats.org/drawingml/2006/main" xmlns:dgm="http://schemas.openxmlformats.org/drawingml/2006/diagram" xmlns:dsp="http://schemas.microsoft.com/office/drawing/2008/diagram" xmlns:p="http://schemas.openxmlformats.org/presentationml/2006/main">
   <p:cSld>
     <p:spTree>
       <p:nvGrpSpPr>
@@ -511,10 +724,10 @@
         <p:nvSpPr>
           <p:cNvPr id="2" name="슬라이드 이미지 개체 틀 1"/>
           <p:cNvSpPr>
-            <a:spLocks noGrp="1" noRot="1" noChangeAspect="1"/>
+            <a:spLocks noGrp="1" noRot="1" noChangeAspect="1" noTextEdit="1"/>
           </p:cNvSpPr>
           <p:nvPr>
-            <p:ph type="sldImg"/>
+            <p:ph type="sldImg" idx="0"/>
           </p:nvPr>
         </p:nvSpPr>
         <p:spPr/>
@@ -534,7 +747,14 @@
           <a:bodyPr/>
           <a:lstStyle/>
           <a:p>
-            <a:endParaRPr lang="ko-KR" altLang="en-US" dirty="0"/>
+            <a:pPr lvl="0">
+              <a:defRPr lang="ko-KR" altLang="en-US"/>
+            </a:pPr>
+            <a:r>
+              <a:rPr lang="ko-KR" altLang="en-US"/>
+              <a:t/>
+            </a:r>
+            <a:endParaRPr lang="ko-KR" altLang="en-US"/>
           </a:p>
         </p:txBody>
       </p:sp>
@@ -553,8 +773,14 @@
           <a:bodyPr/>
           <a:lstStyle/>
           <a:p>
+            <a:pPr lvl="0">
+              <a:defRPr lang="ko-KR" altLang="en-US"/>
+            </a:pPr>
             <a:fld id="{F904ADC8-CC4E-428C-95F1-C1DD56CB26C9}" type="slidenum">
-              <a:rPr lang="ko-KR" altLang="en-US" smtClean="0"/>
+              <a:rPr lang="ko-KR" altLang="en-US"/>
+              <a:pPr lvl="0">
+                <a:defRPr lang="ko-KR" altLang="en-US"/>
+              </a:pPr>
               <a:t>6</a:t>
             </a:fld>
             <a:endParaRPr lang="ko-KR" altLang="en-US"/>
@@ -562,15 +788,7 @@
         </p:txBody>
       </p:sp>
     </p:spTree>
-    <p:extLst>
-      <p:ext uri="{BB962C8B-B14F-4D97-AF65-F5344CB8AC3E}">
-        <p14:creationId xmlns:p14="http://schemas.microsoft.com/office/powerpoint/2010/main" val="2698176897"/>
-      </p:ext>
-    </p:extLst>
   </p:cSld>
-  <p:clrMapOvr>
-    <a:masterClrMapping/>
-  </p:clrMapOvr>
 </p:notes>
 </file>
 
@@ -874,7 +1092,7 @@
           <a:p>
             <a:fld id="{FB30EDBD-1C2D-4C1E-B459-B60219FAB484}" type="datetimeFigureOut">
               <a:rPr lang="ko-KR" altLang="en-US" smtClean="0"/>
-              <a:t>2018-04-26</a:t>
+              <a:t>2018-05-03</a:t>
             </a:fld>
             <a:endParaRPr lang="ko-KR" altLang="en-US"/>
           </a:p>
@@ -1049,7 +1267,7 @@
           <a:p>
             <a:fld id="{FB30EDBD-1C2D-4C1E-B459-B60219FAB484}" type="datetimeFigureOut">
               <a:rPr lang="ko-KR" altLang="en-US" smtClean="0"/>
-              <a:t>2018-04-26</a:t>
+              <a:t>2018-05-03</a:t>
             </a:fld>
             <a:endParaRPr lang="ko-KR" altLang="en-US"/>
           </a:p>
@@ -1224,7 +1442,7 @@
           <a:p>
             <a:fld id="{FB30EDBD-1C2D-4C1E-B459-B60219FAB484}" type="datetimeFigureOut">
               <a:rPr lang="ko-KR" altLang="en-US" smtClean="0"/>
-              <a:t>2018-04-26</a:t>
+              <a:t>2018-05-03</a:t>
             </a:fld>
             <a:endParaRPr lang="ko-KR" altLang="en-US"/>
           </a:p>
@@ -1399,7 +1617,7 @@
           <a:p>
             <a:fld id="{FB30EDBD-1C2D-4C1E-B459-B60219FAB484}" type="datetimeFigureOut">
               <a:rPr lang="ko-KR" altLang="en-US" smtClean="0"/>
-              <a:t>2018-04-26</a:t>
+              <a:t>2018-05-03</a:t>
             </a:fld>
             <a:endParaRPr lang="ko-KR" altLang="en-US"/>
           </a:p>
@@ -1770,7 +1988,7 @@
           <a:p>
             <a:fld id="{FB30EDBD-1C2D-4C1E-B459-B60219FAB484}" type="datetimeFigureOut">
               <a:rPr lang="ko-KR" altLang="en-US" smtClean="0"/>
-              <a:t>2018-04-26</a:t>
+              <a:t>2018-05-03</a:t>
             </a:fld>
             <a:endParaRPr lang="ko-KR" altLang="en-US"/>
           </a:p>
@@ -2031,7 +2249,7 @@
           <a:p>
             <a:fld id="{FB30EDBD-1C2D-4C1E-B459-B60219FAB484}" type="datetimeFigureOut">
               <a:rPr lang="ko-KR" altLang="en-US" smtClean="0"/>
-              <a:t>2018-04-26</a:t>
+              <a:t>2018-05-03</a:t>
             </a:fld>
             <a:endParaRPr lang="ko-KR" altLang="en-US"/>
           </a:p>
@@ -2410,7 +2628,7 @@
           <a:p>
             <a:fld id="{FB30EDBD-1C2D-4C1E-B459-B60219FAB484}" type="datetimeFigureOut">
               <a:rPr lang="ko-KR" altLang="en-US" smtClean="0"/>
-              <a:t>2018-04-26</a:t>
+              <a:t>2018-05-03</a:t>
             </a:fld>
             <a:endParaRPr lang="ko-KR" altLang="en-US"/>
           </a:p>
@@ -2523,7 +2741,7 @@
           <a:p>
             <a:fld id="{FB30EDBD-1C2D-4C1E-B459-B60219FAB484}" type="datetimeFigureOut">
               <a:rPr lang="ko-KR" altLang="en-US" smtClean="0"/>
-              <a:t>2018-04-26</a:t>
+              <a:t>2018-05-03</a:t>
             </a:fld>
             <a:endParaRPr lang="ko-KR" altLang="en-US"/>
           </a:p>
@@ -2695,7 +2913,7 @@
           <a:p>
             <a:fld id="{FB30EDBD-1C2D-4C1E-B459-B60219FAB484}" type="datetimeFigureOut">
               <a:rPr lang="ko-KR" altLang="en-US" smtClean="0"/>
-              <a:t>2018-04-26</a:t>
+              <a:t>2018-05-03</a:t>
             </a:fld>
             <a:endParaRPr lang="ko-KR" altLang="en-US"/>
           </a:p>
@@ -3023,7 +3241,7 @@
           <a:p>
             <a:fld id="{FB30EDBD-1C2D-4C1E-B459-B60219FAB484}" type="datetimeFigureOut">
               <a:rPr lang="ko-KR" altLang="en-US" smtClean="0"/>
-              <a:t>2018-04-26</a:t>
+              <a:t>2018-05-03</a:t>
             </a:fld>
             <a:endParaRPr lang="ko-KR" altLang="en-US"/>
           </a:p>
@@ -3382,7 +3600,7 @@
           <a:p>
             <a:fld id="{FB30EDBD-1C2D-4C1E-B459-B60219FAB484}" type="datetimeFigureOut">
               <a:rPr lang="ko-KR" altLang="en-US" smtClean="0"/>
-              <a:t>2018-04-26</a:t>
+              <a:t>2018-05-03</a:t>
             </a:fld>
             <a:endParaRPr lang="ko-KR" altLang="en-US"/>
           </a:p>
@@ -3788,7 +4006,7 @@
           <a:p>
             <a:fld id="{FB30EDBD-1C2D-4C1E-B459-B60219FAB484}" type="datetimeFigureOut">
               <a:rPr lang="ko-KR" altLang="en-US" smtClean="0"/>
-              <a:t>2018-04-26</a:t>
+              <a:t>2018-05-03</a:t>
             </a:fld>
             <a:endParaRPr lang="ko-KR" altLang="en-US"/>
           </a:p>
@@ -4862,6 +5080,10 @@
               </a:rPr>
               <a:t>Server</a:t>
             </a:r>
+            <a:endParaRPr lang="en-US" altLang="ko-KR" sz="1600" dirty="0" smtClean="0">
+              <a:latin typeface="HY견고딕" panose="02030600000101010101" pitchFamily="18" charset="-127"/>
+              <a:ea typeface="HY견고딕" panose="02030600000101010101" pitchFamily="18" charset="-127"/>
+            </a:endParaRPr>
           </a:p>
           <a:p>
             <a:pPr marL="0" indent="0">
@@ -5292,12 +5514,20 @@
               <a:t> 카메라와 연동되기 위한 </a:t>
             </a:r>
             <a:r>
-              <a:rPr lang="en-US" altLang="ko-KR" sz="1600" dirty="0" err="1">
+              <a:rPr lang="en-US" altLang="ko-KR" sz="1600" dirty="0" smtClean="0">
                 <a:latin typeface="HY견고딕" panose="02030600000101010101" pitchFamily="18" charset="-127"/>
                 <a:ea typeface="HY견고딕" panose="02030600000101010101" pitchFamily="18" charset="-127"/>
                 <a:sym typeface="Wingdings" panose="05000000000000000000" pitchFamily="2" charset="2"/>
               </a:rPr>
-              <a:t>mjpg</a:t>
+              <a:t>uv4l </a:t>
+            </a:r>
+            <a:r>
+              <a:rPr lang="ko-KR" altLang="en-US" sz="1600" dirty="0" smtClean="0">
+                <a:latin typeface="HY견고딕" panose="02030600000101010101" pitchFamily="18" charset="-127"/>
+                <a:ea typeface="HY견고딕" panose="02030600000101010101" pitchFamily="18" charset="-127"/>
+                <a:sym typeface="Wingdings" panose="05000000000000000000" pitchFamily="2" charset="2"/>
+              </a:rPr>
+              <a:t>관련 패키지를 </a:t>
             </a:r>
             <a:r>
               <a:rPr lang="ko-KR" altLang="en-US" sz="1600" dirty="0">
@@ -5305,7 +5535,7 @@
                 <a:ea typeface="HY견고딕" panose="02030600000101010101" pitchFamily="18" charset="-127"/>
                 <a:sym typeface="Wingdings" panose="05000000000000000000" pitchFamily="2" charset="2"/>
               </a:rPr>
-              <a:t>관련패키지를 설치</a:t>
+              <a:t>설치</a:t>
             </a:r>
             <a:endParaRPr lang="en-US" altLang="ko-KR" sz="1600" dirty="0">
               <a:latin typeface="HY견고딕" panose="02030600000101010101" pitchFamily="18" charset="-127"/>
@@ -5488,7 +5718,7 @@
 </file>
 
 <file path=ppt/slides/slide11.xml><?xml version="1.0" encoding="utf-8"?>
-<p:sld xmlns:a="http://schemas.openxmlformats.org/drawingml/2006/main" xmlns:r="http://schemas.openxmlformats.org/officeDocument/2006/relationships" xmlns:p="http://schemas.openxmlformats.org/presentationml/2006/main">
+<p:sld xmlns:r="http://schemas.openxmlformats.org/officeDocument/2006/relationships" xmlns:c="http://schemas.openxmlformats.org/drawingml/2006/chart" xmlns:a="http://schemas.openxmlformats.org/drawingml/2006/main" xmlns:dgm="http://schemas.openxmlformats.org/drawingml/2006/diagram" xmlns:dsp="http://schemas.microsoft.com/office/drawing/2008/diagram" xmlns:p="http://schemas.openxmlformats.org/presentationml/2006/main">
   <p:cSld>
     <p:spTree>
       <p:nvGrpSpPr>
@@ -5511,7 +5741,7 @@
             <a:spLocks noGrp="1"/>
           </p:cNvSpPr>
           <p:nvPr>
-            <p:ph type="title"/>
+            <p:ph type="title" idx="0"/>
           </p:nvPr>
         </p:nvSpPr>
         <p:spPr>
@@ -5538,7 +5768,7 @@
           <a:sp3d contourW="44450" prstMaterial="matte">
             <a:bevelT w="63500" h="63500" prst="artDeco"/>
             <a:contourClr>
-              <a:srgbClr val="FFFFFF"/>
+              <a:srgbClr val="ffffff"/>
             </a:contourClr>
           </a:sp3d>
         </p:spPr>
@@ -5562,44 +5792,40 @@
           </a:bodyPr>
           <a:lstStyle/>
           <a:p>
-            <a:r>
-              <a:rPr lang="en-US" altLang="ko-KR" sz="3200" dirty="0" smtClean="0">
-                <a:latin typeface="HY견고딕" panose="02030600000101010101" pitchFamily="18" charset="-127"/>
-                <a:ea typeface="HY견고딕" panose="02030600000101010101" pitchFamily="18" charset="-127"/>
+            <a:pPr lvl="0">
+              <a:defRPr lang="ko-KR" altLang="en-US"/>
+            </a:pPr>
+            <a:r>
+              <a:rPr lang="en-US" altLang="ko-KR" sz="3200">
+                <a:latin typeface="HY견고딕"/>
+                <a:ea typeface="HY견고딕"/>
               </a:rPr>
               <a:t>05.</a:t>
             </a:r>
             <a:r>
-              <a:rPr lang="ko-KR" altLang="en-US" sz="3200" dirty="0">
-                <a:latin typeface="HY견고딕" panose="02030600000101010101" pitchFamily="18" charset="-127"/>
-                <a:ea typeface="HY견고딕" panose="02030600000101010101" pitchFamily="18" charset="-127"/>
-              </a:rPr>
-              <a:t>개발 </a:t>
-            </a:r>
-            <a:r>
-              <a:rPr lang="ko-KR" altLang="en-US" sz="3200" dirty="0" smtClean="0">
-                <a:latin typeface="HY견고딕" panose="02030600000101010101" pitchFamily="18" charset="-127"/>
-                <a:ea typeface="HY견고딕" panose="02030600000101010101" pitchFamily="18" charset="-127"/>
-              </a:rPr>
-              <a:t>현황</a:t>
-            </a:r>
-            <a:r>
-              <a:rPr lang="en-US" altLang="ko-KR" sz="3200" dirty="0" smtClean="0">
-                <a:latin typeface="HY견고딕" panose="02030600000101010101" pitchFamily="18" charset="-127"/>
-                <a:ea typeface="HY견고딕" panose="02030600000101010101" pitchFamily="18" charset="-127"/>
+              <a:rPr lang="ko-KR" altLang="en-US" sz="3200">
+                <a:latin typeface="HY견고딕"/>
+                <a:ea typeface="HY견고딕"/>
+              </a:rPr>
+              <a:t>개발 현황</a:t>
+            </a:r>
+            <a:r>
+              <a:rPr lang="en-US" altLang="ko-KR" sz="3200">
+                <a:latin typeface="HY견고딕"/>
+                <a:ea typeface="HY견고딕"/>
               </a:rPr>
               <a:t>(1)</a:t>
             </a:r>
             <a:r>
-              <a:rPr lang="ko-KR" altLang="en-US" sz="3200" dirty="0" smtClean="0">
-                <a:latin typeface="HY견고딕" panose="02030600000101010101" pitchFamily="18" charset="-127"/>
-                <a:ea typeface="HY견고딕" panose="02030600000101010101" pitchFamily="18" charset="-127"/>
+              <a:rPr lang="ko-KR" altLang="en-US" sz="3200">
+                <a:latin typeface="HY견고딕"/>
+                <a:ea typeface="HY견고딕"/>
               </a:rPr>
               <a:t> </a:t>
             </a:r>
-            <a:endParaRPr lang="ko-KR" altLang="en-US" sz="3200" dirty="0">
-              <a:latin typeface="HY견고딕" panose="02030600000101010101" pitchFamily="18" charset="-127"/>
-              <a:ea typeface="HY견고딕" panose="02030600000101010101" pitchFamily="18" charset="-127"/>
+            <a:endParaRPr lang="ko-KR" altLang="en-US" sz="3200">
+              <a:latin typeface="HY견고딕"/>
+              <a:ea typeface="HY견고딕"/>
             </a:endParaRPr>
           </a:p>
         </p:txBody>
@@ -5670,19 +5896,20 @@
               <a:buClr>
                 <a:schemeClr val="accent3"/>
               </a:buClr>
-              <a:buFont typeface="Wingdings" panose="05000000000000000000" pitchFamily="2" charset="2"/>
+              <a:buFont typeface="Wingdings"/>
               <a:buChar char="§"/>
+              <a:defRPr lang="ko-KR" altLang="en-US"/>
             </a:pPr>
             <a:r>
-              <a:rPr lang="ko-KR" altLang="en-US" sz="1600" dirty="0" smtClean="0">
-                <a:latin typeface="HY견고딕" panose="02030600000101010101" pitchFamily="18" charset="-127"/>
-                <a:ea typeface="HY견고딕" panose="02030600000101010101" pitchFamily="18" charset="-127"/>
+              <a:rPr lang="ko-KR" altLang="en-US" sz="1600">
+                <a:latin typeface="HY견고딕"/>
+                <a:ea typeface="HY견고딕"/>
               </a:rPr>
               <a:t>개발 완료한 기능</a:t>
             </a:r>
-            <a:endParaRPr lang="en-US" altLang="ko-KR" sz="1600" dirty="0" smtClean="0">
-              <a:latin typeface="HY견고딕" panose="02030600000101010101" pitchFamily="18" charset="-127"/>
-              <a:ea typeface="HY견고딕" panose="02030600000101010101" pitchFamily="18" charset="-127"/>
+            <a:endParaRPr lang="ko-KR" altLang="en-US" sz="1600">
+              <a:latin typeface="HY견고딕"/>
+              <a:ea typeface="HY견고딕"/>
             </a:endParaRPr>
           </a:p>
           <a:p>
@@ -5691,66 +5918,53 @@
                 <a:schemeClr val="accent3"/>
               </a:buClr>
               <a:buNone/>
+              <a:defRPr lang="ko-KR" altLang="en-US"/>
             </a:pPr>
             <a:r>
-              <a:rPr lang="en-US" altLang="ko-KR" sz="1600" dirty="0" smtClean="0">
-                <a:latin typeface="HY견고딕" panose="02030600000101010101" pitchFamily="18" charset="-127"/>
-                <a:ea typeface="HY견고딕" panose="02030600000101010101" pitchFamily="18" charset="-127"/>
+              <a:rPr lang="en-US" altLang="ko-KR" sz="1600">
+                <a:latin typeface="HY견고딕"/>
+                <a:ea typeface="HY견고딕"/>
               </a:rPr>
               <a:t>    -</a:t>
             </a:r>
             <a:r>
-              <a:rPr lang="ko-KR" altLang="en-US" sz="1600" dirty="0" err="1" smtClean="0">
-                <a:latin typeface="HY견고딕" panose="02030600000101010101" pitchFamily="18" charset="-127"/>
-                <a:ea typeface="HY견고딕" panose="02030600000101010101" pitchFamily="18" charset="-127"/>
-              </a:rPr>
-              <a:t>웹서버</a:t>
-            </a:r>
-            <a:r>
-              <a:rPr lang="ko-KR" altLang="en-US" sz="1600" dirty="0" smtClean="0">
-                <a:latin typeface="HY견고딕" panose="02030600000101010101" pitchFamily="18" charset="-127"/>
-                <a:ea typeface="HY견고딕" panose="02030600000101010101" pitchFamily="18" charset="-127"/>
-              </a:rPr>
-              <a:t> </a:t>
-            </a:r>
-            <a:r>
-              <a:rPr lang="en-US" altLang="ko-KR" sz="1600" dirty="0" smtClean="0">
-                <a:latin typeface="HY견고딕" panose="02030600000101010101" pitchFamily="18" charset="-127"/>
-                <a:ea typeface="HY견고딕" panose="02030600000101010101" pitchFamily="18" charset="-127"/>
+              <a:rPr lang="ko-KR" altLang="en-US" sz="1600">
+                <a:latin typeface="HY견고딕"/>
+                <a:ea typeface="HY견고딕"/>
+              </a:rPr>
+              <a:t>웹서버 </a:t>
+            </a:r>
+            <a:r>
+              <a:rPr lang="en-US" altLang="ko-KR" sz="1600">
+                <a:latin typeface="HY견고딕"/>
+                <a:ea typeface="HY견고딕"/>
               </a:rPr>
               <a:t>/ DB</a:t>
             </a:r>
             <a:r>
-              <a:rPr lang="ko-KR" altLang="en-US" sz="1600" dirty="0" smtClean="0">
-                <a:latin typeface="HY견고딕" panose="02030600000101010101" pitchFamily="18" charset="-127"/>
-                <a:ea typeface="HY견고딕" panose="02030600000101010101" pitchFamily="18" charset="-127"/>
+              <a:rPr lang="ko-KR" altLang="en-US" sz="1600">
+                <a:latin typeface="HY견고딕"/>
+                <a:ea typeface="HY견고딕"/>
               </a:rPr>
               <a:t>서버 </a:t>
             </a:r>
             <a:r>
-              <a:rPr lang="en-US" altLang="ko-KR" sz="1600" dirty="0" smtClean="0">
-                <a:latin typeface="HY견고딕" panose="02030600000101010101" pitchFamily="18" charset="-127"/>
-                <a:ea typeface="HY견고딕" panose="02030600000101010101" pitchFamily="18" charset="-127"/>
+              <a:rPr lang="en-US" altLang="ko-KR" sz="1600">
+                <a:latin typeface="HY견고딕"/>
+                <a:ea typeface="HY견고딕"/>
               </a:rPr>
               <a:t>/</a:t>
             </a:r>
             <a:r>
-              <a:rPr lang="ko-KR" altLang="en-US" sz="1600" dirty="0" err="1" smtClean="0">
-                <a:latin typeface="HY견고딕" panose="02030600000101010101" pitchFamily="18" charset="-127"/>
-                <a:ea typeface="HY견고딕" panose="02030600000101010101" pitchFamily="18" charset="-127"/>
-              </a:rPr>
-              <a:t>스트리밍</a:t>
-            </a:r>
-            <a:r>
-              <a:rPr lang="ko-KR" altLang="en-US" sz="1600" dirty="0" smtClean="0">
-                <a:latin typeface="HY견고딕" panose="02030600000101010101" pitchFamily="18" charset="-127"/>
-                <a:ea typeface="HY견고딕" panose="02030600000101010101" pitchFamily="18" charset="-127"/>
-              </a:rPr>
-              <a:t> 서버 구축</a:t>
-            </a:r>
-            <a:endParaRPr lang="en-US" altLang="ko-KR" sz="1600" dirty="0" smtClean="0">
-              <a:latin typeface="HY견고딕" panose="02030600000101010101" pitchFamily="18" charset="-127"/>
-              <a:ea typeface="HY견고딕" panose="02030600000101010101" pitchFamily="18" charset="-127"/>
+              <a:rPr lang="ko-KR" altLang="en-US" sz="1600">
+                <a:latin typeface="HY견고딕"/>
+                <a:ea typeface="HY견고딕"/>
+              </a:rPr>
+              <a:t>스트리밍 서버 구축</a:t>
+            </a:r>
+            <a:endParaRPr lang="ko-KR" altLang="en-US" sz="1600">
+              <a:latin typeface="HY견고딕"/>
+              <a:ea typeface="HY견고딕"/>
             </a:endParaRPr>
           </a:p>
           <a:p>
@@ -5759,38 +5973,39 @@
                 <a:schemeClr val="accent3"/>
               </a:buClr>
               <a:buNone/>
+              <a:defRPr lang="ko-KR" altLang="en-US"/>
             </a:pPr>
             <a:r>
-              <a:rPr lang="en-US" altLang="ko-KR" sz="1600" dirty="0" smtClean="0">
-                <a:latin typeface="HY견고딕" panose="02030600000101010101" pitchFamily="18" charset="-127"/>
-                <a:ea typeface="HY견고딕" panose="02030600000101010101" pitchFamily="18" charset="-127"/>
+              <a:rPr lang="en-US" altLang="ko-KR" sz="1600">
+                <a:latin typeface="HY견고딕"/>
+                <a:ea typeface="HY견고딕"/>
               </a:rPr>
               <a:t>    -</a:t>
             </a:r>
             <a:r>
-              <a:rPr lang="ko-KR" altLang="en-US" sz="1600" dirty="0" smtClean="0">
-                <a:latin typeface="HY견고딕" panose="02030600000101010101" pitchFamily="18" charset="-127"/>
-                <a:ea typeface="HY견고딕" panose="02030600000101010101" pitchFamily="18" charset="-127"/>
+              <a:rPr lang="ko-KR" altLang="en-US" sz="1600">
+                <a:latin typeface="HY견고딕"/>
+                <a:ea typeface="HY견고딕"/>
               </a:rPr>
               <a:t>센서</a:t>
             </a:r>
             <a:r>
-              <a:rPr lang="en-US" altLang="ko-KR" sz="1600" dirty="0">
-                <a:latin typeface="HY견고딕" panose="02030600000101010101" pitchFamily="18" charset="-127"/>
-                <a:ea typeface="HY견고딕" panose="02030600000101010101" pitchFamily="18" charset="-127"/>
+              <a:rPr lang="en-US" altLang="ko-KR" sz="1600">
+                <a:latin typeface="HY견고딕"/>
+                <a:ea typeface="HY견고딕"/>
               </a:rPr>
               <a:t> </a:t>
             </a:r>
             <a:r>
-              <a:rPr lang="ko-KR" altLang="en-US" sz="1600" dirty="0" smtClean="0">
-                <a:latin typeface="HY견고딕" panose="02030600000101010101" pitchFamily="18" charset="-127"/>
-                <a:ea typeface="HY견고딕" panose="02030600000101010101" pitchFamily="18" charset="-127"/>
+              <a:rPr lang="ko-KR" altLang="en-US" sz="1600">
+                <a:latin typeface="HY견고딕"/>
+                <a:ea typeface="HY견고딕"/>
               </a:rPr>
               <a:t>및 수치분석 모듈</a:t>
             </a:r>
-            <a:endParaRPr lang="en-US" altLang="ko-KR" sz="1600" dirty="0">
-              <a:latin typeface="HY견고딕" panose="02030600000101010101" pitchFamily="18" charset="-127"/>
-              <a:ea typeface="HY견고딕" panose="02030600000101010101" pitchFamily="18" charset="-127"/>
+            <a:endParaRPr lang="ko-KR" altLang="en-US" sz="1600">
+              <a:latin typeface="HY견고딕"/>
+              <a:ea typeface="HY견고딕"/>
             </a:endParaRPr>
           </a:p>
           <a:p>
@@ -5799,38 +6014,25 @@
                 <a:schemeClr val="accent3"/>
               </a:buClr>
               <a:buNone/>
+              <a:defRPr lang="ko-KR" altLang="en-US"/>
             </a:pPr>
             <a:r>
-              <a:rPr lang="en-US" altLang="ko-KR" sz="1600" dirty="0" smtClean="0">
-                <a:latin typeface="HY견고딕" panose="02030600000101010101" pitchFamily="18" charset="-127"/>
-                <a:ea typeface="HY견고딕" panose="02030600000101010101" pitchFamily="18" charset="-127"/>
+              <a:rPr lang="en-US" altLang="ko-KR" sz="1600">
+                <a:latin typeface="HY견고딕"/>
+                <a:ea typeface="HY견고딕"/>
               </a:rPr>
               <a:t>    -</a:t>
             </a:r>
             <a:r>
-              <a:rPr lang="ko-KR" altLang="en-US" sz="1600" dirty="0" err="1" smtClean="0">
-                <a:latin typeface="HY견고딕" panose="02030600000101010101" pitchFamily="18" charset="-127"/>
-                <a:ea typeface="HY견고딕" panose="02030600000101010101" pitchFamily="18" charset="-127"/>
-              </a:rPr>
-              <a:t>라즈베</a:t>
-            </a:r>
-            <a:r>
-              <a:rPr lang="ko-KR" altLang="en-US" sz="1600" dirty="0" err="1">
-                <a:latin typeface="HY견고딕" panose="02030600000101010101" pitchFamily="18" charset="-127"/>
-                <a:ea typeface="HY견고딕" panose="02030600000101010101" pitchFamily="18" charset="-127"/>
-              </a:rPr>
-              <a:t>리</a:t>
-            </a:r>
-            <a:r>
-              <a:rPr lang="ko-KR" altLang="en-US" sz="1600" dirty="0" smtClean="0">
-                <a:latin typeface="HY견고딕" panose="02030600000101010101" pitchFamily="18" charset="-127"/>
-                <a:ea typeface="HY견고딕" panose="02030600000101010101" pitchFamily="18" charset="-127"/>
-              </a:rPr>
-              <a:t> 카메라</a:t>
-            </a:r>
-            <a:endParaRPr lang="en-US" altLang="ko-KR" sz="1600" dirty="0" smtClean="0">
-              <a:latin typeface="HY견고딕" panose="02030600000101010101" pitchFamily="18" charset="-127"/>
-              <a:ea typeface="HY견고딕" panose="02030600000101010101" pitchFamily="18" charset="-127"/>
+              <a:rPr lang="ko-KR" altLang="en-US" sz="1600">
+                <a:latin typeface="HY견고딕"/>
+                <a:ea typeface="HY견고딕"/>
+              </a:rPr>
+              <a:t>라즈베리 카메라</a:t>
+            </a:r>
+            <a:endParaRPr lang="ko-KR" altLang="en-US" sz="1600">
+              <a:latin typeface="HY견고딕"/>
+              <a:ea typeface="HY견고딕"/>
             </a:endParaRPr>
           </a:p>
           <a:p>
@@ -5839,31 +6041,25 @@
                 <a:schemeClr val="accent3"/>
               </a:buClr>
               <a:buNone/>
+              <a:defRPr lang="ko-KR" altLang="en-US"/>
             </a:pPr>
             <a:r>
-              <a:rPr lang="en-US" altLang="ko-KR" sz="1600" dirty="0">
-                <a:latin typeface="HY견고딕" panose="02030600000101010101" pitchFamily="18" charset="-127"/>
-                <a:ea typeface="HY견고딕" panose="02030600000101010101" pitchFamily="18" charset="-127"/>
-              </a:rPr>
-              <a:t> </a:t>
-            </a:r>
-            <a:r>
-              <a:rPr lang="en-US" altLang="ko-KR" sz="1600" dirty="0" smtClean="0">
-                <a:latin typeface="HY견고딕" panose="02030600000101010101" pitchFamily="18" charset="-127"/>
-                <a:ea typeface="HY견고딕" panose="02030600000101010101" pitchFamily="18" charset="-127"/>
-              </a:rPr>
-              <a:t>   -</a:t>
-            </a:r>
-            <a:r>
-              <a:rPr lang="ko-KR" altLang="en-US" sz="1600" dirty="0" smtClean="0">
-                <a:latin typeface="HY견고딕" panose="02030600000101010101" pitchFamily="18" charset="-127"/>
-                <a:ea typeface="HY견고딕" panose="02030600000101010101" pitchFamily="18" charset="-127"/>
-              </a:rPr>
-              <a:t>영상 및 사진 저장</a:t>
-            </a:r>
-            <a:endParaRPr lang="en-US" altLang="ko-KR" sz="1600" dirty="0" smtClean="0">
-              <a:latin typeface="HY견고딕" panose="02030600000101010101" pitchFamily="18" charset="-127"/>
-              <a:ea typeface="HY견고딕" panose="02030600000101010101" pitchFamily="18" charset="-127"/>
+              <a:rPr lang="en-US" altLang="ko-KR" sz="1600">
+                <a:latin typeface="HY견고딕"/>
+                <a:ea typeface="HY견고딕"/>
+              </a:rPr>
+              <a:t>    -</a:t>
+            </a:r>
+            <a:r>
+              <a:rPr lang="ko-KR" altLang="en-US" sz="1600">
+                <a:latin typeface="HY견고딕"/>
+                <a:ea typeface="HY견고딕"/>
+              </a:rPr>
+              <a:t>영상 녹화</a:t>
+            </a:r>
+            <a:endParaRPr lang="ko-KR" altLang="en-US" sz="1600">
+              <a:latin typeface="HY견고딕"/>
+              <a:ea typeface="HY견고딕"/>
             </a:endParaRPr>
           </a:p>
           <a:p>
@@ -5872,38 +6068,25 @@
                 <a:schemeClr val="accent3"/>
               </a:buClr>
               <a:buNone/>
+              <a:defRPr lang="ko-KR" altLang="en-US"/>
             </a:pPr>
             <a:r>
-              <a:rPr lang="en-US" altLang="ko-KR" sz="1600" dirty="0">
-                <a:latin typeface="HY견고딕" panose="02030600000101010101" pitchFamily="18" charset="-127"/>
-                <a:ea typeface="HY견고딕" panose="02030600000101010101" pitchFamily="18" charset="-127"/>
-              </a:rPr>
-              <a:t> </a:t>
-            </a:r>
-            <a:r>
-              <a:rPr lang="en-US" altLang="ko-KR" sz="1600" dirty="0" smtClean="0">
-                <a:latin typeface="HY견고딕" panose="02030600000101010101" pitchFamily="18" charset="-127"/>
-                <a:ea typeface="HY견고딕" panose="02030600000101010101" pitchFamily="18" charset="-127"/>
-              </a:rPr>
-              <a:t>   -</a:t>
-            </a:r>
-            <a:r>
-              <a:rPr lang="ko-KR" altLang="en-US" sz="1600" dirty="0" smtClean="0">
-                <a:latin typeface="HY견고딕" panose="02030600000101010101" pitchFamily="18" charset="-127"/>
-                <a:ea typeface="HY견고딕" panose="02030600000101010101" pitchFamily="18" charset="-127"/>
-              </a:rPr>
-              <a:t>어플리케이</a:t>
-            </a:r>
-            <a:r>
-              <a:rPr lang="ko-KR" altLang="en-US" sz="1600" dirty="0">
-                <a:latin typeface="HY견고딕" panose="02030600000101010101" pitchFamily="18" charset="-127"/>
-                <a:ea typeface="HY견고딕" panose="02030600000101010101" pitchFamily="18" charset="-127"/>
-              </a:rPr>
-              <a:t>션</a:t>
-            </a:r>
-            <a:endParaRPr lang="en-US" altLang="ko-KR" sz="1600" dirty="0">
-              <a:latin typeface="HY견고딕" panose="02030600000101010101" pitchFamily="18" charset="-127"/>
-              <a:ea typeface="HY견고딕" panose="02030600000101010101" pitchFamily="18" charset="-127"/>
+              <a:rPr lang="en-US" altLang="ko-KR" sz="1600">
+                <a:latin typeface="HY견고딕"/>
+                <a:ea typeface="HY견고딕"/>
+              </a:rPr>
+              <a:t>    -</a:t>
+            </a:r>
+            <a:r>
+              <a:rPr lang="ko-KR" altLang="en-US" sz="1600">
+                <a:latin typeface="HY견고딕"/>
+                <a:ea typeface="HY견고딕"/>
+              </a:rPr>
+              <a:t>어플리케이션</a:t>
+            </a:r>
+            <a:endParaRPr lang="ko-KR" altLang="en-US" sz="1600">
+              <a:latin typeface="HY견고딕"/>
+              <a:ea typeface="HY견고딕"/>
             </a:endParaRPr>
           </a:p>
           <a:p>
@@ -5912,30 +6095,32 @@
                 <a:schemeClr val="accent3"/>
               </a:buClr>
               <a:buNone/>
+              <a:defRPr lang="ko-KR" altLang="en-US"/>
             </a:pPr>
-            <a:endParaRPr lang="en-US" altLang="ko-KR" sz="1600" dirty="0" smtClean="0">
-              <a:latin typeface="HY견고딕" panose="02030600000101010101" pitchFamily="18" charset="-127"/>
-              <a:ea typeface="HY견고딕" panose="02030600000101010101" pitchFamily="18" charset="-127"/>
-            </a:endParaRPr>
-          </a:p>
-          <a:p>
-            <a:pPr>
-              <a:buClr>
-                <a:schemeClr val="accent3"/>
-              </a:buClr>
-              <a:buFont typeface="Wingdings" panose="05000000000000000000" pitchFamily="2" charset="2"/>
-              <a:buChar char="§"/>
-            </a:pPr>
-            <a:r>
-              <a:rPr lang="ko-KR" altLang="en-US" sz="1600" dirty="0" smtClean="0">
-                <a:latin typeface="HY견고딕" panose="02030600000101010101" pitchFamily="18" charset="-127"/>
-                <a:ea typeface="HY견고딕" panose="02030600000101010101" pitchFamily="18" charset="-127"/>
-              </a:rPr>
-              <a:t>개발할 기능</a:t>
-            </a:r>
-            <a:endParaRPr lang="en-US" altLang="ko-KR" sz="1600" dirty="0" smtClean="0">
-              <a:latin typeface="HY견고딕" panose="02030600000101010101" pitchFamily="18" charset="-127"/>
-              <a:ea typeface="HY견고딕" panose="02030600000101010101" pitchFamily="18" charset="-127"/>
+            <a:r>
+              <a:rPr lang="ko-KR" altLang="en-US" sz="1600">
+                <a:latin typeface="HY견고딕"/>
+                <a:ea typeface="HY견고딕"/>
+              </a:rPr>
+              <a:t>    -센서와 </a:t>
+            </a:r>
+            <a:r>
+              <a:rPr lang="en-US" altLang="ko-KR" sz="1600">
+                <a:latin typeface="HY견고딕"/>
+                <a:ea typeface="HY견고딕"/>
+              </a:rPr>
+              <a:t>DB</a:t>
+            </a:r>
+            <a:r>
+              <a:rPr lang="ko-KR" altLang="en-US" sz="1600">
+                <a:latin typeface="HY견고딕"/>
+                <a:ea typeface="HY견고딕"/>
+              </a:rPr>
+              <a:t>연동</a:t>
+            </a:r>
+            <a:endParaRPr lang="ko-KR" altLang="en-US" sz="1600">
+              <a:latin typeface="HY견고딕"/>
+              <a:ea typeface="HY견고딕"/>
             </a:endParaRPr>
           </a:p>
           <a:p>
@@ -5944,41 +6129,32 @@
                 <a:schemeClr val="accent3"/>
               </a:buClr>
               <a:buNone/>
+              <a:defRPr lang="ko-KR" altLang="en-US"/>
             </a:pPr>
-            <a:r>
-              <a:rPr lang="en-US" altLang="ko-KR" sz="1600" dirty="0" smtClean="0">
-                <a:latin typeface="HY견고딕" panose="02030600000101010101" pitchFamily="18" charset="-127"/>
-                <a:ea typeface="HY견고딕" panose="02030600000101010101" pitchFamily="18" charset="-127"/>
-              </a:rPr>
-              <a:t>    -</a:t>
-            </a:r>
-            <a:r>
-              <a:rPr lang="ko-KR" altLang="en-US" sz="1600" dirty="0" err="1">
-                <a:latin typeface="HY견고딕" panose="02030600000101010101" pitchFamily="18" charset="-127"/>
-                <a:ea typeface="HY견고딕" panose="02030600000101010101" pitchFamily="18" charset="-127"/>
-                <a:sym typeface="Wingdings" panose="05000000000000000000" pitchFamily="2" charset="2"/>
-              </a:rPr>
-              <a:t>스트리밍과</a:t>
-            </a:r>
-            <a:r>
-              <a:rPr lang="ko-KR" altLang="en-US" sz="1600" dirty="0">
-                <a:latin typeface="HY견고딕" panose="02030600000101010101" pitchFamily="18" charset="-127"/>
-                <a:ea typeface="HY견고딕" panose="02030600000101010101" pitchFamily="18" charset="-127"/>
-                <a:sym typeface="Wingdings" panose="05000000000000000000" pitchFamily="2" charset="2"/>
-              </a:rPr>
-              <a:t> 동시에 녹화 </a:t>
-            </a:r>
-            <a:r>
-              <a:rPr lang="ko-KR" altLang="en-US" sz="1600" dirty="0" smtClean="0">
-                <a:latin typeface="HY견고딕" panose="02030600000101010101" pitchFamily="18" charset="-127"/>
-                <a:ea typeface="HY견고딕" panose="02030600000101010101" pitchFamily="18" charset="-127"/>
-                <a:sym typeface="Wingdings" panose="05000000000000000000" pitchFamily="2" charset="2"/>
-              </a:rPr>
-              <a:t>기능</a:t>
-            </a:r>
-            <a:endParaRPr lang="en-US" altLang="ko-KR" sz="1600" dirty="0" smtClean="0">
-              <a:latin typeface="HY견고딕" panose="02030600000101010101" pitchFamily="18" charset="-127"/>
-              <a:ea typeface="HY견고딕" panose="02030600000101010101" pitchFamily="18" charset="-127"/>
+            <a:endParaRPr lang="en-US" altLang="ko-KR" sz="1600">
+              <a:latin typeface="HY견고딕"/>
+              <a:ea typeface="HY견고딕"/>
+            </a:endParaRPr>
+          </a:p>
+          <a:p>
+            <a:pPr>
+              <a:buClr>
+                <a:schemeClr val="accent3"/>
+              </a:buClr>
+              <a:buFont typeface="Wingdings"/>
+              <a:buChar char="§"/>
+              <a:defRPr lang="ko-KR" altLang="en-US"/>
+            </a:pPr>
+            <a:r>
+              <a:rPr lang="ko-KR" altLang="en-US" sz="1600">
+                <a:latin typeface="HY견고딕"/>
+                <a:ea typeface="HY견고딕"/>
+              </a:rPr>
+              <a:t>개발할 기능</a:t>
+            </a:r>
+            <a:endParaRPr lang="ko-KR" altLang="en-US" sz="1600">
+              <a:latin typeface="HY견고딕"/>
+              <a:ea typeface="HY견고딕"/>
             </a:endParaRPr>
           </a:p>
           <a:p>
@@ -5987,31 +6163,25 @@
                 <a:schemeClr val="accent3"/>
               </a:buClr>
               <a:buNone/>
+              <a:defRPr lang="ko-KR" altLang="en-US"/>
             </a:pPr>
             <a:r>
-              <a:rPr lang="en-US" altLang="ko-KR" sz="1600" dirty="0" smtClean="0">
-                <a:latin typeface="HY견고딕" panose="02030600000101010101" pitchFamily="18" charset="-127"/>
-                <a:ea typeface="HY견고딕" panose="02030600000101010101" pitchFamily="18" charset="-127"/>
+              <a:rPr lang="en-US" altLang="ko-KR" sz="1600">
+                <a:latin typeface="HY견고딕"/>
+                <a:ea typeface="HY견고딕"/>
               </a:rPr>
               <a:t>    -</a:t>
             </a:r>
             <a:r>
-              <a:rPr lang="ko-KR" altLang="en-US" sz="1600" dirty="0" err="1" smtClean="0">
-                <a:latin typeface="HY견고딕" panose="02030600000101010101" pitchFamily="18" charset="-127"/>
-                <a:ea typeface="HY견고딕" panose="02030600000101010101" pitchFamily="18" charset="-127"/>
-              </a:rPr>
-              <a:t>알람</a:t>
-            </a:r>
-            <a:r>
-              <a:rPr lang="ko-KR" altLang="en-US" sz="1600" dirty="0" smtClean="0">
-                <a:latin typeface="HY견고딕" panose="02030600000101010101" pitchFamily="18" charset="-127"/>
-                <a:ea typeface="HY견고딕" panose="02030600000101010101" pitchFamily="18" charset="-127"/>
-              </a:rPr>
-              <a:t> 기능</a:t>
-            </a:r>
-            <a:endParaRPr lang="en-US" altLang="ko-KR" sz="1600" dirty="0" smtClean="0">
-              <a:latin typeface="HY견고딕" panose="02030600000101010101" pitchFamily="18" charset="-127"/>
-              <a:ea typeface="HY견고딕" panose="02030600000101010101" pitchFamily="18" charset="-127"/>
+              <a:rPr lang="ko-KR" altLang="en-US" sz="1600">
+                <a:latin typeface="HY견고딕"/>
+                <a:ea typeface="HY견고딕"/>
+              </a:rPr>
+              <a:t>녹화 영상 전송</a:t>
+            </a:r>
+            <a:endParaRPr lang="ko-KR" altLang="en-US" sz="1600">
+              <a:latin typeface="HY견고딕"/>
+              <a:ea typeface="HY견고딕"/>
             </a:endParaRPr>
           </a:p>
           <a:p>
@@ -6020,92 +6190,25 @@
                 <a:schemeClr val="accent3"/>
               </a:buClr>
               <a:buNone/>
+              <a:defRPr lang="ko-KR" altLang="en-US"/>
             </a:pPr>
             <a:r>
-              <a:rPr lang="en-US" altLang="ko-KR" sz="1600" dirty="0">
-                <a:latin typeface="HY견고딕" panose="02030600000101010101" pitchFamily="18" charset="-127"/>
-                <a:ea typeface="HY견고딕" panose="02030600000101010101" pitchFamily="18" charset="-127"/>
-              </a:rPr>
-              <a:t> </a:t>
-            </a:r>
-            <a:r>
-              <a:rPr lang="en-US" altLang="ko-KR" sz="1600" dirty="0" smtClean="0">
-                <a:latin typeface="HY견고딕" panose="02030600000101010101" pitchFamily="18" charset="-127"/>
-                <a:ea typeface="HY견고딕" panose="02030600000101010101" pitchFamily="18" charset="-127"/>
-              </a:rPr>
-              <a:t>   -Application </a:t>
-            </a:r>
-            <a:r>
-              <a:rPr lang="ko-KR" altLang="en-US" sz="1600" dirty="0" smtClean="0">
-                <a:latin typeface="HY견고딕" panose="02030600000101010101" pitchFamily="18" charset="-127"/>
-                <a:ea typeface="HY견고딕" panose="02030600000101010101" pitchFamily="18" charset="-127"/>
-              </a:rPr>
-              <a:t>내에서 </a:t>
-            </a:r>
-            <a:r>
-              <a:rPr lang="en-US" altLang="ko-KR" sz="1600" dirty="0" err="1" smtClean="0">
-                <a:latin typeface="HY견고딕" panose="02030600000101010101" pitchFamily="18" charset="-127"/>
-                <a:ea typeface="HY견고딕" panose="02030600000101010101" pitchFamily="18" charset="-127"/>
-              </a:rPr>
-              <a:t>php</a:t>
-            </a:r>
-            <a:r>
-              <a:rPr lang="ko-KR" altLang="en-US" sz="1600" dirty="0" smtClean="0">
-                <a:latin typeface="HY견고딕" panose="02030600000101010101" pitchFamily="18" charset="-127"/>
-                <a:ea typeface="HY견고딕" panose="02030600000101010101" pitchFamily="18" charset="-127"/>
-              </a:rPr>
-              <a:t>파일을 통해 </a:t>
-            </a:r>
-            <a:r>
-              <a:rPr lang="en-US" altLang="ko-KR" sz="1600" dirty="0" err="1" smtClean="0">
-                <a:latin typeface="HY견고딕" panose="02030600000101010101" pitchFamily="18" charset="-127"/>
-                <a:ea typeface="HY견고딕" panose="02030600000101010101" pitchFamily="18" charset="-127"/>
-              </a:rPr>
-              <a:t>mysql</a:t>
-            </a:r>
-            <a:r>
-              <a:rPr lang="ko-KR" altLang="en-US" sz="1600" dirty="0" smtClean="0">
-                <a:latin typeface="HY견고딕" panose="02030600000101010101" pitchFamily="18" charset="-127"/>
-                <a:ea typeface="HY견고딕" panose="02030600000101010101" pitchFamily="18" charset="-127"/>
-              </a:rPr>
-              <a:t>접속</a:t>
-            </a:r>
-            <a:endParaRPr lang="en-US" altLang="ko-KR" sz="1600" dirty="0" smtClean="0">
-              <a:latin typeface="HY견고딕" panose="02030600000101010101" pitchFamily="18" charset="-127"/>
-              <a:ea typeface="HY견고딕" panose="02030600000101010101" pitchFamily="18" charset="-127"/>
-            </a:endParaRPr>
-          </a:p>
-          <a:p>
-            <a:pPr>
-              <a:buClr>
-                <a:schemeClr val="accent3"/>
-              </a:buClr>
-              <a:buFont typeface="Wingdings" panose="05000000000000000000" pitchFamily="2" charset="2"/>
-              <a:buChar char="§"/>
-            </a:pPr>
-            <a:endParaRPr lang="en-US" altLang="ko-KR" sz="1600" dirty="0">
-              <a:latin typeface="HY견고딕" panose="02030600000101010101" pitchFamily="18" charset="-127"/>
-              <a:ea typeface="HY견고딕" panose="02030600000101010101" pitchFamily="18" charset="-127"/>
-            </a:endParaRPr>
-          </a:p>
-          <a:p>
-            <a:pPr>
-              <a:buClr>
-                <a:schemeClr val="accent3"/>
-              </a:buClr>
-              <a:buFont typeface="Wingdings" panose="05000000000000000000" pitchFamily="2" charset="2"/>
-              <a:buChar char="§"/>
-            </a:pPr>
-            <a:r>
-              <a:rPr lang="ko-KR" altLang="en-US" sz="1600" dirty="0" smtClean="0">
-                <a:latin typeface="HY견고딕" panose="02030600000101010101" pitchFamily="18" charset="-127"/>
-                <a:ea typeface="HY견고딕" panose="02030600000101010101" pitchFamily="18" charset="-127"/>
-              </a:rPr>
-              <a:t>개발에서 제외할 기능</a:t>
-            </a:r>
-            <a:endParaRPr lang="en-US" altLang="ko-KR" sz="1600" dirty="0">
-              <a:latin typeface="HY견고딕" panose="02030600000101010101" pitchFamily="18" charset="-127"/>
-              <a:ea typeface="HY견고딕" panose="02030600000101010101" pitchFamily="18" charset="-127"/>
+              <a:rPr lang="en-US" altLang="ko-KR" sz="1600">
+                <a:latin typeface="HY견고딕"/>
+                <a:ea typeface="HY견고딕"/>
+              </a:rPr>
+              <a:t>    -</a:t>
+            </a:r>
+            <a:r>
+              <a:rPr lang="ko-KR" altLang="en-US" sz="1600">
+                <a:latin typeface="HY견고딕"/>
+                <a:ea typeface="HY견고딕"/>
+              </a:rPr>
+              <a:t>알람 기능</a:t>
+            </a:r>
+            <a:endParaRPr lang="ko-KR" altLang="en-US" sz="1600">
+              <a:latin typeface="HY견고딕"/>
+              <a:ea typeface="HY견고딕"/>
             </a:endParaRPr>
           </a:p>
           <a:p>
@@ -6114,51 +6217,32 @@
                 <a:schemeClr val="accent3"/>
               </a:buClr>
               <a:buNone/>
+              <a:defRPr lang="ko-KR" altLang="en-US"/>
             </a:pPr>
-            <a:r>
-              <a:rPr lang="en-US" altLang="ko-KR" sz="1600" dirty="0">
-                <a:latin typeface="HY견고딕" panose="02030600000101010101" pitchFamily="18" charset="-127"/>
-                <a:ea typeface="HY견고딕" panose="02030600000101010101" pitchFamily="18" charset="-127"/>
-                <a:sym typeface="Wingdings" panose="05000000000000000000" pitchFamily="2" charset="2"/>
-              </a:rPr>
-              <a:t>    </a:t>
-            </a:r>
-            <a:r>
-              <a:rPr lang="en-US" altLang="ko-KR" sz="1600" dirty="0" smtClean="0">
-                <a:latin typeface="HY견고딕" panose="02030600000101010101" pitchFamily="18" charset="-127"/>
-                <a:ea typeface="HY견고딕" panose="02030600000101010101" pitchFamily="18" charset="-127"/>
-                <a:sym typeface="Wingdings" panose="05000000000000000000" pitchFamily="2" charset="2"/>
-              </a:rPr>
-              <a:t>-</a:t>
-            </a:r>
-            <a:r>
-              <a:rPr lang="ko-KR" altLang="en-US" sz="1600" dirty="0" smtClean="0">
-                <a:latin typeface="HY견고딕" panose="02030600000101010101" pitchFamily="18" charset="-127"/>
-                <a:ea typeface="HY견고딕" panose="02030600000101010101" pitchFamily="18" charset="-127"/>
-                <a:sym typeface="Wingdings" panose="05000000000000000000" pitchFamily="2" charset="2"/>
-              </a:rPr>
-              <a:t>장치간 </a:t>
-            </a:r>
-            <a:r>
-              <a:rPr lang="ko-KR" altLang="en-US" sz="1600" dirty="0" err="1" smtClean="0">
-                <a:latin typeface="HY견고딕" panose="02030600000101010101" pitchFamily="18" charset="-127"/>
-                <a:ea typeface="HY견고딕" panose="02030600000101010101" pitchFamily="18" charset="-127"/>
-                <a:sym typeface="Wingdings" panose="05000000000000000000" pitchFamily="2" charset="2"/>
-              </a:rPr>
-              <a:t>와이파이</a:t>
-            </a:r>
-            <a:r>
-              <a:rPr lang="ko-KR" altLang="en-US" sz="1600" dirty="0" smtClean="0">
-                <a:latin typeface="HY견고딕" panose="02030600000101010101" pitchFamily="18" charset="-127"/>
-                <a:ea typeface="HY견고딕" panose="02030600000101010101" pitchFamily="18" charset="-127"/>
-                <a:sym typeface="Wingdings" panose="05000000000000000000" pitchFamily="2" charset="2"/>
-              </a:rPr>
-              <a:t> 통신</a:t>
-            </a:r>
-            <a:endParaRPr lang="en-US" altLang="ko-KR" sz="1600" dirty="0">
-              <a:latin typeface="HY견고딕" panose="02030600000101010101" pitchFamily="18" charset="-127"/>
-              <a:ea typeface="HY견고딕" panose="02030600000101010101" pitchFamily="18" charset="-127"/>
-              <a:sym typeface="Wingdings" panose="05000000000000000000" pitchFamily="2" charset="2"/>
+            <a:endParaRPr lang="en-US" altLang="ko-KR" sz="1600">
+              <a:latin typeface="HY견고딕"/>
+              <a:ea typeface="HY견고딕"/>
+            </a:endParaRPr>
+          </a:p>
+          <a:p>
+            <a:pPr>
+              <a:buClr>
+                <a:schemeClr val="accent3"/>
+              </a:buClr>
+              <a:buFont typeface="Wingdings"/>
+              <a:buChar char="§"/>
+              <a:defRPr lang="ko-KR" altLang="en-US"/>
+            </a:pPr>
+            <a:r>
+              <a:rPr lang="ko-KR" altLang="en-US" sz="1600">
+                <a:latin typeface="HY견고딕"/>
+                <a:ea typeface="HY견고딕"/>
+              </a:rPr>
+              <a:t>개발에서 제외할 기능</a:t>
+            </a:r>
+            <a:endParaRPr lang="ko-KR" altLang="en-US" sz="1600">
+              <a:latin typeface="HY견고딕"/>
+              <a:ea typeface="HY견고딕"/>
             </a:endParaRPr>
           </a:p>
           <a:p>
@@ -6167,58 +6251,28 @@
                 <a:schemeClr val="accent3"/>
               </a:buClr>
               <a:buNone/>
+              <a:defRPr lang="ko-KR" altLang="en-US"/>
             </a:pPr>
             <a:r>
-              <a:rPr lang="en-US" altLang="ko-KR" sz="1600" dirty="0">
-                <a:latin typeface="HY견고딕" panose="02030600000101010101" pitchFamily="18" charset="-127"/>
-                <a:ea typeface="HY견고딕" panose="02030600000101010101" pitchFamily="18" charset="-127"/>
-                <a:sym typeface="Wingdings" panose="05000000000000000000" pitchFamily="2" charset="2"/>
-              </a:rPr>
-              <a:t>    </a:t>
-            </a:r>
-            <a:r>
-              <a:rPr lang="en-US" altLang="ko-KR" sz="1600" dirty="0" smtClean="0">
-                <a:latin typeface="HY견고딕" panose="02030600000101010101" pitchFamily="18" charset="-127"/>
-                <a:ea typeface="HY견고딕" panose="02030600000101010101" pitchFamily="18" charset="-127"/>
-                <a:sym typeface="Wingdings" panose="05000000000000000000" pitchFamily="2" charset="2"/>
-              </a:rPr>
-              <a:t>-</a:t>
-            </a:r>
-            <a:r>
-              <a:rPr lang="ko-KR" altLang="en-US" sz="1600" dirty="0" smtClean="0">
-                <a:latin typeface="HY견고딕" panose="02030600000101010101" pitchFamily="18" charset="-127"/>
-                <a:ea typeface="HY견고딕" panose="02030600000101010101" pitchFamily="18" charset="-127"/>
-                <a:sym typeface="Wingdings" panose="05000000000000000000" pitchFamily="2" charset="2"/>
-              </a:rPr>
-              <a:t>어플리케이션 사용자에게 </a:t>
-            </a:r>
-            <a:r>
-              <a:rPr lang="ko-KR" altLang="en-US" sz="1600" dirty="0" err="1" smtClean="0">
-                <a:latin typeface="HY견고딕" panose="02030600000101010101" pitchFamily="18" charset="-127"/>
-                <a:ea typeface="HY견고딕" panose="02030600000101010101" pitchFamily="18" charset="-127"/>
-                <a:sym typeface="Wingdings" panose="05000000000000000000" pitchFamily="2" charset="2"/>
-              </a:rPr>
-              <a:t>푸쉬</a:t>
-            </a:r>
-            <a:r>
-              <a:rPr lang="ko-KR" altLang="en-US" sz="1600" dirty="0" smtClean="0">
-                <a:latin typeface="HY견고딕" panose="02030600000101010101" pitchFamily="18" charset="-127"/>
-                <a:ea typeface="HY견고딕" panose="02030600000101010101" pitchFamily="18" charset="-127"/>
-                <a:sym typeface="Wingdings" panose="05000000000000000000" pitchFamily="2" charset="2"/>
-              </a:rPr>
-              <a:t> </a:t>
-            </a:r>
-            <a:r>
-              <a:rPr lang="ko-KR" altLang="en-US" sz="1600" dirty="0" err="1" smtClean="0">
-                <a:latin typeface="HY견고딕" panose="02030600000101010101" pitchFamily="18" charset="-127"/>
-                <a:ea typeface="HY견고딕" panose="02030600000101010101" pitchFamily="18" charset="-127"/>
-                <a:sym typeface="Wingdings" panose="05000000000000000000" pitchFamily="2" charset="2"/>
-              </a:rPr>
-              <a:t>알람</a:t>
-            </a:r>
-            <a:endParaRPr lang="en-US" altLang="ko-KR" sz="1600" dirty="0">
-              <a:latin typeface="HY견고딕" panose="02030600000101010101" pitchFamily="18" charset="-127"/>
-              <a:ea typeface="HY견고딕" panose="02030600000101010101" pitchFamily="18" charset="-127"/>
+              <a:rPr lang="en-US" altLang="ko-KR" sz="1600">
+                <a:latin typeface="HY견고딕"/>
+                <a:ea typeface="HY견고딕"/>
+                <a:sym typeface="Wingdings"/>
+              </a:rPr>
+              <a:t>    -</a:t>
+            </a:r>
+            <a:r>
+              <a:rPr lang="ko-KR" altLang="en-US" sz="1600">
+                <a:latin typeface="HY견고딕"/>
+                <a:ea typeface="HY견고딕"/>
+                <a:sym typeface="Wingdings"/>
+              </a:rPr>
+              <a:t>어플리케이션 사용자에게 푸쉬 알람</a:t>
+            </a:r>
+            <a:endParaRPr lang="ko-KR" altLang="en-US" sz="1600">
+              <a:latin typeface="HY견고딕"/>
+              <a:ea typeface="HY견고딕"/>
+              <a:sym typeface="Wingdings"/>
             </a:endParaRPr>
           </a:p>
           <a:p>
@@ -6228,10 +6282,11 @@
               </a:buClr>
               <a:buFont typeface="+mj-lt"/>
               <a:buAutoNum type="arabicPeriod"/>
+              <a:defRPr lang="ko-KR" altLang="en-US"/>
             </a:pPr>
-            <a:endParaRPr lang="en-US" altLang="ko-KR" sz="2000" dirty="0">
-              <a:latin typeface="HY견고딕" panose="02030600000101010101" pitchFamily="18" charset="-127"/>
-              <a:ea typeface="HY견고딕" panose="02030600000101010101" pitchFamily="18" charset="-127"/>
+            <a:endParaRPr lang="en-US" altLang="ko-KR" sz="2000">
+              <a:latin typeface="HY견고딕"/>
+              <a:ea typeface="HY견고딕"/>
             </a:endParaRPr>
           </a:p>
           <a:p>
@@ -6241,24 +6296,28 @@
               </a:buClr>
               <a:buFont typeface="+mj-lt"/>
               <a:buAutoNum type="arabicPeriod"/>
+              <a:defRPr lang="ko-KR" altLang="en-US"/>
             </a:pPr>
-            <a:endParaRPr lang="ko-KR" altLang="en-US" sz="2000" dirty="0">
-              <a:latin typeface="HY견고딕" panose="02030600000101010101" pitchFamily="18" charset="-127"/>
-              <a:ea typeface="HY견고딕" panose="02030600000101010101" pitchFamily="18" charset="-127"/>
+            <a:endParaRPr lang="ko-KR" altLang="en-US" sz="2000">
+              <a:latin typeface="HY견고딕"/>
+              <a:ea typeface="HY견고딕"/>
             </a:endParaRPr>
           </a:p>
         </p:txBody>
       </p:sp>
     </p:spTree>
-    <p:extLst>
-      <p:ext uri="{BB962C8B-B14F-4D97-AF65-F5344CB8AC3E}">
-        <p14:creationId xmlns:p14="http://schemas.microsoft.com/office/powerpoint/2010/main" val="1154479293"/>
-      </p:ext>
-    </p:extLst>
   </p:cSld>
   <p:clrMapOvr>
     <a:masterClrMapping/>
   </p:clrMapOvr>
+  <mc:AlternateContent xmlns:mc="http://schemas.openxmlformats.org/markup-compatibility/2006">
+    <mc:Choice xmlns:p14="http://schemas.microsoft.com/office/powerpoint/2010/main" Requires="p14">
+      <p:transition xmlns:mc="http://schemas.openxmlformats.org/markup-compatibility/2006" xmlns:p14="http://schemas.microsoft.com/office/powerpoint/2010/main" mc:Ignorable="p14" p14:dur="500"/>
+    </mc:Choice>
+    <mc:Fallback>
+      <p:transition/>
+    </mc:Fallback>
+  </mc:AlternateContent>
   <p:timing>
     <p:tnLst>
       <p:par>
@@ -7306,28 +7365,28 @@
                 <a:gridCol w="1152128">
                   <a:extLst>
                     <a:ext uri="{9D8B030D-6E8A-4147-A177-3AD203B41FA5}">
-                      <a16:colId xmlns:a16="http://schemas.microsoft.com/office/drawing/2014/main" xmlns="" val="20000"/>
+                      <a16:colId xmlns="" xmlns:a16="http://schemas.microsoft.com/office/drawing/2014/main" val="20000"/>
                     </a:ext>
                   </a:extLst>
                 </a:gridCol>
                 <a:gridCol w="2196000">
                   <a:extLst>
                     <a:ext uri="{9D8B030D-6E8A-4147-A177-3AD203B41FA5}">
-                      <a16:colId xmlns:a16="http://schemas.microsoft.com/office/drawing/2014/main" xmlns="" val="20001"/>
+                      <a16:colId xmlns="" xmlns:a16="http://schemas.microsoft.com/office/drawing/2014/main" val="20001"/>
                     </a:ext>
                   </a:extLst>
                 </a:gridCol>
                 <a:gridCol w="2196000">
                   <a:extLst>
                     <a:ext uri="{9D8B030D-6E8A-4147-A177-3AD203B41FA5}">
-                      <a16:colId xmlns:a16="http://schemas.microsoft.com/office/drawing/2014/main" xmlns="" val="20002"/>
+                      <a16:colId xmlns="" xmlns:a16="http://schemas.microsoft.com/office/drawing/2014/main" val="20002"/>
                     </a:ext>
                   </a:extLst>
                 </a:gridCol>
                 <a:gridCol w="2196000">
                   <a:extLst>
                     <a:ext uri="{9D8B030D-6E8A-4147-A177-3AD203B41FA5}">
-                      <a16:colId xmlns:a16="http://schemas.microsoft.com/office/drawing/2014/main" xmlns="" val="20003"/>
+                      <a16:colId xmlns="" xmlns:a16="http://schemas.microsoft.com/office/drawing/2014/main" val="20003"/>
                     </a:ext>
                   </a:extLst>
                 </a:gridCol>
@@ -7588,7 +7647,7 @@
                 </a:tc>
                 <a:extLst>
                   <a:ext uri="{0D108BD9-81ED-4DB2-BD59-A6C34878D82A}">
-                    <a16:rowId xmlns:a16="http://schemas.microsoft.com/office/drawing/2014/main" xmlns="" val="10000"/>
+                    <a16:rowId xmlns="" xmlns:a16="http://schemas.microsoft.com/office/drawing/2014/main" val="10000"/>
                   </a:ext>
                 </a:extLst>
               </a:tr>
@@ -8046,7 +8105,7 @@
                 </a:tc>
                 <a:extLst>
                   <a:ext uri="{0D108BD9-81ED-4DB2-BD59-A6C34878D82A}">
-                    <a16:rowId xmlns:a16="http://schemas.microsoft.com/office/drawing/2014/main" xmlns="" val="10001"/>
+                    <a16:rowId xmlns="" xmlns:a16="http://schemas.microsoft.com/office/drawing/2014/main" val="10001"/>
                   </a:ext>
                 </a:extLst>
               </a:tr>
@@ -8358,7 +8417,7 @@
                 </a:tc>
                 <a:extLst>
                   <a:ext uri="{0D108BD9-81ED-4DB2-BD59-A6C34878D82A}">
-                    <a16:rowId xmlns:a16="http://schemas.microsoft.com/office/drawing/2014/main" xmlns="" val="10002"/>
+                    <a16:rowId xmlns="" xmlns:a16="http://schemas.microsoft.com/office/drawing/2014/main" val="10002"/>
                   </a:ext>
                 </a:extLst>
               </a:tr>
@@ -9214,7 +9273,7 @@
                 </a:tc>
                 <a:extLst>
                   <a:ext uri="{0D108BD9-81ED-4DB2-BD59-A6C34878D82A}">
-                    <a16:rowId xmlns:a16="http://schemas.microsoft.com/office/drawing/2014/main" xmlns="" val="10003"/>
+                    <a16:rowId xmlns="" xmlns:a16="http://schemas.microsoft.com/office/drawing/2014/main" val="10003"/>
                   </a:ext>
                 </a:extLst>
               </a:tr>
@@ -9408,7 +9467,7 @@
                 </a:tc>
                 <a:extLst>
                   <a:ext uri="{0D108BD9-81ED-4DB2-BD59-A6C34878D82A}">
-                    <a16:rowId xmlns:a16="http://schemas.microsoft.com/office/drawing/2014/main" xmlns="" val="10004"/>
+                    <a16:rowId xmlns="" xmlns:a16="http://schemas.microsoft.com/office/drawing/2014/main" val="10004"/>
                   </a:ext>
                 </a:extLst>
               </a:tr>
@@ -9665,7 +9724,7 @@
                 <a:gridCol w="1376813">
                   <a:extLst>
                     <a:ext uri="{9D8B030D-6E8A-4147-A177-3AD203B41FA5}">
-                      <a16:colId xmlns:a16="http://schemas.microsoft.com/office/drawing/2014/main" xmlns="" val="20000"/>
+                      <a16:colId xmlns="" xmlns:a16="http://schemas.microsoft.com/office/drawing/2014/main" val="20000"/>
                     </a:ext>
                   </a:extLst>
                 </a:gridCol>
@@ -9673,56 +9732,56 @@
                 <a:gridCol w="546838">
                   <a:extLst>
                     <a:ext uri="{9D8B030D-6E8A-4147-A177-3AD203B41FA5}">
-                      <a16:colId xmlns:a16="http://schemas.microsoft.com/office/drawing/2014/main" xmlns="" val="20001"/>
+                      <a16:colId xmlns="" xmlns:a16="http://schemas.microsoft.com/office/drawing/2014/main" val="20001"/>
                     </a:ext>
                   </a:extLst>
                 </a:gridCol>
                 <a:gridCol w="546838">
                   <a:extLst>
                     <a:ext uri="{9D8B030D-6E8A-4147-A177-3AD203B41FA5}">
-                      <a16:colId xmlns:a16="http://schemas.microsoft.com/office/drawing/2014/main" xmlns="" val="20002"/>
+                      <a16:colId xmlns="" xmlns:a16="http://schemas.microsoft.com/office/drawing/2014/main" val="20002"/>
                     </a:ext>
                   </a:extLst>
                 </a:gridCol>
                 <a:gridCol w="546838">
                   <a:extLst>
                     <a:ext uri="{9D8B030D-6E8A-4147-A177-3AD203B41FA5}">
-                      <a16:colId xmlns:a16="http://schemas.microsoft.com/office/drawing/2014/main" xmlns="" val="20003"/>
+                      <a16:colId xmlns="" xmlns:a16="http://schemas.microsoft.com/office/drawing/2014/main" val="20003"/>
                     </a:ext>
                   </a:extLst>
                 </a:gridCol>
                 <a:gridCol w="546838">
                   <a:extLst>
                     <a:ext uri="{9D8B030D-6E8A-4147-A177-3AD203B41FA5}">
-                      <a16:colId xmlns:a16="http://schemas.microsoft.com/office/drawing/2014/main" xmlns="" val="20004"/>
+                      <a16:colId xmlns="" xmlns:a16="http://schemas.microsoft.com/office/drawing/2014/main" val="20004"/>
                     </a:ext>
                   </a:extLst>
                 </a:gridCol>
                 <a:gridCol w="546838">
                   <a:extLst>
                     <a:ext uri="{9D8B030D-6E8A-4147-A177-3AD203B41FA5}">
-                      <a16:colId xmlns:a16="http://schemas.microsoft.com/office/drawing/2014/main" xmlns="" val="20005"/>
+                      <a16:colId xmlns="" xmlns:a16="http://schemas.microsoft.com/office/drawing/2014/main" val="20005"/>
                     </a:ext>
                   </a:extLst>
                 </a:gridCol>
                 <a:gridCol w="546838">
                   <a:extLst>
                     <a:ext uri="{9D8B030D-6E8A-4147-A177-3AD203B41FA5}">
-                      <a16:colId xmlns:a16="http://schemas.microsoft.com/office/drawing/2014/main" xmlns="" val="20006"/>
+                      <a16:colId xmlns="" xmlns:a16="http://schemas.microsoft.com/office/drawing/2014/main" val="20006"/>
                     </a:ext>
                   </a:extLst>
                 </a:gridCol>
                 <a:gridCol w="546838">
                   <a:extLst>
                     <a:ext uri="{9D8B030D-6E8A-4147-A177-3AD203B41FA5}">
-                      <a16:colId xmlns:a16="http://schemas.microsoft.com/office/drawing/2014/main" xmlns="" val="20007"/>
+                      <a16:colId xmlns="" xmlns:a16="http://schemas.microsoft.com/office/drawing/2014/main" val="20007"/>
                     </a:ext>
                   </a:extLst>
                 </a:gridCol>
                 <a:gridCol w="546838">
                   <a:extLst>
                     <a:ext uri="{9D8B030D-6E8A-4147-A177-3AD203B41FA5}">
-                      <a16:colId xmlns:a16="http://schemas.microsoft.com/office/drawing/2014/main" xmlns="" val="20008"/>
+                      <a16:colId xmlns="" xmlns:a16="http://schemas.microsoft.com/office/drawing/2014/main" val="20008"/>
                     </a:ext>
                   </a:extLst>
                 </a:gridCol>
@@ -10520,7 +10579,7 @@
                 </a:tc>
                 <a:extLst>
                   <a:ext uri="{0D108BD9-81ED-4DB2-BD59-A6C34878D82A}">
-                    <a16:rowId xmlns:a16="http://schemas.microsoft.com/office/drawing/2014/main" xmlns="" val="10000"/>
+                    <a16:rowId xmlns="" xmlns:a16="http://schemas.microsoft.com/office/drawing/2014/main" val="10000"/>
                   </a:ext>
                 </a:extLst>
               </a:tr>
@@ -10983,7 +11042,7 @@
                 </a:tc>
                 <a:extLst>
                   <a:ext uri="{0D108BD9-81ED-4DB2-BD59-A6C34878D82A}">
-                    <a16:rowId xmlns:a16="http://schemas.microsoft.com/office/drawing/2014/main" xmlns="" val="10001"/>
+                    <a16:rowId xmlns="" xmlns:a16="http://schemas.microsoft.com/office/drawing/2014/main" val="10001"/>
                   </a:ext>
                 </a:extLst>
               </a:tr>
@@ -11384,7 +11443,7 @@
                 </a:tc>
                 <a:extLst>
                   <a:ext uri="{0D108BD9-81ED-4DB2-BD59-A6C34878D82A}">
-                    <a16:rowId xmlns:a16="http://schemas.microsoft.com/office/drawing/2014/main" xmlns="" val="10002"/>
+                    <a16:rowId xmlns="" xmlns:a16="http://schemas.microsoft.com/office/drawing/2014/main" val="10002"/>
                   </a:ext>
                 </a:extLst>
               </a:tr>
@@ -11815,7 +11874,7 @@
                 </a:tc>
                 <a:extLst>
                   <a:ext uri="{0D108BD9-81ED-4DB2-BD59-A6C34878D82A}">
-                    <a16:rowId xmlns:a16="http://schemas.microsoft.com/office/drawing/2014/main" xmlns="" val="10003"/>
+                    <a16:rowId xmlns="" xmlns:a16="http://schemas.microsoft.com/office/drawing/2014/main" val="10003"/>
                   </a:ext>
                 </a:extLst>
               </a:tr>
@@ -12206,7 +12265,7 @@
                 </a:tc>
                 <a:extLst>
                   <a:ext uri="{0D108BD9-81ED-4DB2-BD59-A6C34878D82A}">
-                    <a16:rowId xmlns:a16="http://schemas.microsoft.com/office/drawing/2014/main" xmlns="" val="10004"/>
+                    <a16:rowId xmlns="" xmlns:a16="http://schemas.microsoft.com/office/drawing/2014/main" val="10004"/>
                   </a:ext>
                 </a:extLst>
               </a:tr>
@@ -12673,7 +12732,7 @@
                 </a:tc>
                 <a:extLst>
                   <a:ext uri="{0D108BD9-81ED-4DB2-BD59-A6C34878D82A}">
-                    <a16:rowId xmlns:a16="http://schemas.microsoft.com/office/drawing/2014/main" xmlns="" val="10005"/>
+                    <a16:rowId xmlns="" xmlns:a16="http://schemas.microsoft.com/office/drawing/2014/main" val="10005"/>
                   </a:ext>
                 </a:extLst>
               </a:tr>
@@ -13064,7 +13123,7 @@
                 </a:tc>
                 <a:extLst>
                   <a:ext uri="{0D108BD9-81ED-4DB2-BD59-A6C34878D82A}">
-                    <a16:rowId xmlns:a16="http://schemas.microsoft.com/office/drawing/2014/main" xmlns="" val="10006"/>
+                    <a16:rowId xmlns="" xmlns:a16="http://schemas.microsoft.com/office/drawing/2014/main" val="10006"/>
                   </a:ext>
                 </a:extLst>
               </a:tr>
@@ -13455,7 +13514,7 @@
                 </a:tc>
                 <a:extLst>
                   <a:ext uri="{0D108BD9-81ED-4DB2-BD59-A6C34878D82A}">
-                    <a16:rowId xmlns:a16="http://schemas.microsoft.com/office/drawing/2014/main" xmlns="" val="10007"/>
+                    <a16:rowId xmlns="" xmlns:a16="http://schemas.microsoft.com/office/drawing/2014/main" val="10007"/>
                   </a:ext>
                 </a:extLst>
               </a:tr>
@@ -13846,7 +13905,7 @@
                 </a:tc>
                 <a:extLst>
                   <a:ext uri="{0D108BD9-81ED-4DB2-BD59-A6C34878D82A}">
-                    <a16:rowId xmlns:a16="http://schemas.microsoft.com/office/drawing/2014/main" xmlns="" val="10008"/>
+                    <a16:rowId xmlns="" xmlns:a16="http://schemas.microsoft.com/office/drawing/2014/main" val="10008"/>
                   </a:ext>
                 </a:extLst>
               </a:tr>
@@ -17980,7 +18039,7 @@
           <p:cNvPr id="82" name="화살표: U자형 81">
             <a:extLst>
               <a:ext uri="{FF2B5EF4-FFF2-40B4-BE49-F238E27FC236}">
-                <a16:creationId xmlns:a16="http://schemas.microsoft.com/office/drawing/2014/main" xmlns="" id="{B3CB97BE-001C-4F59-86D2-D430557E3136}"/>
+                <a16:creationId xmlns="" xmlns:a16="http://schemas.microsoft.com/office/drawing/2014/main" id="{B3CB97BE-001C-4F59-86D2-D430557E3136}"/>
               </a:ext>
             </a:extLst>
           </p:cNvPr>
@@ -18047,7 +18106,7 @@
           <p:cNvPr id="81" name="화살표: U자형 80">
             <a:extLst>
               <a:ext uri="{FF2B5EF4-FFF2-40B4-BE49-F238E27FC236}">
-                <a16:creationId xmlns:a16="http://schemas.microsoft.com/office/drawing/2014/main" xmlns="" id="{B22F97FE-FDB7-4119-8ED8-9BD21CEE8D54}"/>
+                <a16:creationId xmlns="" xmlns:a16="http://schemas.microsoft.com/office/drawing/2014/main" id="{B22F97FE-FDB7-4119-8ED8-9BD21CEE8D54}"/>
               </a:ext>
             </a:extLst>
           </p:cNvPr>
@@ -19353,7 +19412,7 @@
           <p:cNvPr id="27" name="그룹 26">
             <a:extLst>
               <a:ext uri="{FF2B5EF4-FFF2-40B4-BE49-F238E27FC236}">
-                <a16:creationId xmlns:a16="http://schemas.microsoft.com/office/drawing/2014/main" xmlns="" id="{75122752-EF5B-4F9C-9C77-7316F12C3365}"/>
+                <a16:creationId xmlns="" xmlns:a16="http://schemas.microsoft.com/office/drawing/2014/main" id="{75122752-EF5B-4F9C-9C77-7316F12C3365}"/>
               </a:ext>
             </a:extLst>
           </p:cNvPr>
@@ -19524,7 +19583,7 @@
           <p:cNvPr id="25" name="그룹 24">
             <a:extLst>
               <a:ext uri="{FF2B5EF4-FFF2-40B4-BE49-F238E27FC236}">
-                <a16:creationId xmlns:a16="http://schemas.microsoft.com/office/drawing/2014/main" xmlns="" id="{EDCD9CDD-075E-4B31-B9E1-1C46E6952A77}"/>
+                <a16:creationId xmlns="" xmlns:a16="http://schemas.microsoft.com/office/drawing/2014/main" id="{EDCD9CDD-075E-4B31-B9E1-1C46E6952A77}"/>
               </a:ext>
             </a:extLst>
           </p:cNvPr>
@@ -19989,7 +20048,7 @@
           <p:cNvPr id="28" name="그룹 27">
             <a:extLst>
               <a:ext uri="{FF2B5EF4-FFF2-40B4-BE49-F238E27FC236}">
-                <a16:creationId xmlns:a16="http://schemas.microsoft.com/office/drawing/2014/main" xmlns="" id="{9CC74B3C-A610-4C48-950B-546226835B6F}"/>
+                <a16:creationId xmlns="" xmlns:a16="http://schemas.microsoft.com/office/drawing/2014/main" id="{9CC74B3C-A610-4C48-950B-546226835B6F}"/>
               </a:ext>
             </a:extLst>
           </p:cNvPr>
@@ -20225,7 +20284,7 @@
             <p:cNvPr id="83" name="모서리가 둥근 직사각형 50">
               <a:extLst>
                 <a:ext uri="{FF2B5EF4-FFF2-40B4-BE49-F238E27FC236}">
-                  <a16:creationId xmlns:a16="http://schemas.microsoft.com/office/drawing/2014/main" xmlns="" id="{5792FF3F-7FEE-451E-89B6-F5AA454A41C0}"/>
+                  <a16:creationId xmlns="" xmlns:a16="http://schemas.microsoft.com/office/drawing/2014/main" id="{5792FF3F-7FEE-451E-89B6-F5AA454A41C0}"/>
                 </a:ext>
               </a:extLst>
             </p:cNvPr>
@@ -20291,7 +20350,7 @@
           <p:cNvPr id="29" name="화살표: U자형 28">
             <a:extLst>
               <a:ext uri="{FF2B5EF4-FFF2-40B4-BE49-F238E27FC236}">
-                <a16:creationId xmlns:a16="http://schemas.microsoft.com/office/drawing/2014/main" xmlns="" id="{9B0804E6-53FA-48DC-82CE-536406D1F9C0}"/>
+                <a16:creationId xmlns="" xmlns:a16="http://schemas.microsoft.com/office/drawing/2014/main" id="{9B0804E6-53FA-48DC-82CE-536406D1F9C0}"/>
               </a:ext>
             </a:extLst>
           </p:cNvPr>
@@ -20358,7 +20417,7 @@
           <p:cNvPr id="61" name="모서리가 둥근 직사각형 41">
             <a:extLst>
               <a:ext uri="{FF2B5EF4-FFF2-40B4-BE49-F238E27FC236}">
-                <a16:creationId xmlns:a16="http://schemas.microsoft.com/office/drawing/2014/main" xmlns="" id="{E887D2CF-2655-43A9-8923-5C4D6C5C7D7B}"/>
+                <a16:creationId xmlns="" xmlns:a16="http://schemas.microsoft.com/office/drawing/2014/main" id="{E887D2CF-2655-43A9-8923-5C4D6C5C7D7B}"/>
               </a:ext>
             </a:extLst>
           </p:cNvPr>
@@ -20423,7 +20482,7 @@
           <p:cNvPr id="63" name="Picture 2" descr="C:\Users\Ellie\Desktop\00 화살표.png">
             <a:extLst>
               <a:ext uri="{FF2B5EF4-FFF2-40B4-BE49-F238E27FC236}">
-                <a16:creationId xmlns:a16="http://schemas.microsoft.com/office/drawing/2014/main" xmlns="" id="{497EFE92-96FA-4C19-A3C6-7B6C806D3316}"/>
+                <a16:creationId xmlns="" xmlns:a16="http://schemas.microsoft.com/office/drawing/2014/main" id="{497EFE92-96FA-4C19-A3C6-7B6C806D3316}"/>
               </a:ext>
             </a:extLst>
           </p:cNvPr>
@@ -20468,7 +20527,7 @@
           <p:cNvPr id="65" name="Picture 2" descr="C:\Users\Ellie\Desktop\00 화살표.png">
             <a:extLst>
               <a:ext uri="{FF2B5EF4-FFF2-40B4-BE49-F238E27FC236}">
-                <a16:creationId xmlns:a16="http://schemas.microsoft.com/office/drawing/2014/main" xmlns="" id="{3DB9CCD5-F71A-4075-9F51-1C0AB4197304}"/>
+                <a16:creationId xmlns="" xmlns:a16="http://schemas.microsoft.com/office/drawing/2014/main" id="{3DB9CCD5-F71A-4075-9F51-1C0AB4197304}"/>
               </a:ext>
             </a:extLst>
           </p:cNvPr>
@@ -20513,7 +20572,7 @@
           <p:cNvPr id="67" name="Picture 2" descr="C:\Users\Ellie\Desktop\00 화살표.png">
             <a:extLst>
               <a:ext uri="{FF2B5EF4-FFF2-40B4-BE49-F238E27FC236}">
-                <a16:creationId xmlns:a16="http://schemas.microsoft.com/office/drawing/2014/main" xmlns="" id="{2930AC60-0F7C-4D36-B259-91293ED4912F}"/>
+                <a16:creationId xmlns="" xmlns:a16="http://schemas.microsoft.com/office/drawing/2014/main" id="{2930AC60-0F7C-4D36-B259-91293ED4912F}"/>
               </a:ext>
             </a:extLst>
           </p:cNvPr>
@@ -20558,7 +20617,7 @@
           <p:cNvPr id="69" name="Picture 2" descr="C:\Users\Ellie\Desktop\00 화살표.png">
             <a:extLst>
               <a:ext uri="{FF2B5EF4-FFF2-40B4-BE49-F238E27FC236}">
-                <a16:creationId xmlns:a16="http://schemas.microsoft.com/office/drawing/2014/main" xmlns="" id="{4FE08B4C-CB14-4FF2-BE8B-B71FE013B42F}"/>
+                <a16:creationId xmlns="" xmlns:a16="http://schemas.microsoft.com/office/drawing/2014/main" id="{4FE08B4C-CB14-4FF2-BE8B-B71FE013B42F}"/>
               </a:ext>
             </a:extLst>
           </p:cNvPr>
@@ -20603,7 +20662,7 @@
           <p:cNvPr id="80" name="Picture 2" descr="C:\Users\Ellie\Desktop\00 화살표.png">
             <a:extLst>
               <a:ext uri="{FF2B5EF4-FFF2-40B4-BE49-F238E27FC236}">
-                <a16:creationId xmlns:a16="http://schemas.microsoft.com/office/drawing/2014/main" xmlns="" id="{6E178863-55DF-4C26-BCD1-AA67FA631A6A}"/>
+                <a16:creationId xmlns="" xmlns:a16="http://schemas.microsoft.com/office/drawing/2014/main" id="{6E178863-55DF-4C26-BCD1-AA67FA631A6A}"/>
               </a:ext>
             </a:extLst>
           </p:cNvPr>
@@ -21010,14 +21069,14 @@
                 <a:gridCol w="1872208">
                   <a:extLst>
                     <a:ext uri="{9D8B030D-6E8A-4147-A177-3AD203B41FA5}">
-                      <a16:colId xmlns:a16="http://schemas.microsoft.com/office/drawing/2014/main" xmlns="" val="20000"/>
+                      <a16:colId xmlns="" xmlns:a16="http://schemas.microsoft.com/office/drawing/2014/main" val="20000"/>
                     </a:ext>
                   </a:extLst>
                 </a:gridCol>
                 <a:gridCol w="6048672">
                   <a:extLst>
                     <a:ext uri="{9D8B030D-6E8A-4147-A177-3AD203B41FA5}">
-                      <a16:colId xmlns:a16="http://schemas.microsoft.com/office/drawing/2014/main" xmlns="" val="20001"/>
+                      <a16:colId xmlns="" xmlns:a16="http://schemas.microsoft.com/office/drawing/2014/main" val="20001"/>
                     </a:ext>
                   </a:extLst>
                 </a:gridCol>
@@ -21183,7 +21242,7 @@
                 </a:tc>
                 <a:extLst>
                   <a:ext uri="{0D108BD9-81ED-4DB2-BD59-A6C34878D82A}">
-                    <a16:rowId xmlns:a16="http://schemas.microsoft.com/office/drawing/2014/main" xmlns="" val="10000"/>
+                    <a16:rowId xmlns="" xmlns:a16="http://schemas.microsoft.com/office/drawing/2014/main" val="10000"/>
                   </a:ext>
                 </a:extLst>
               </a:tr>
@@ -21371,7 +21430,7 @@
                 </a:tc>
                 <a:extLst>
                   <a:ext uri="{0D108BD9-81ED-4DB2-BD59-A6C34878D82A}">
-                    <a16:rowId xmlns:a16="http://schemas.microsoft.com/office/drawing/2014/main" xmlns="" val="10001"/>
+                    <a16:rowId xmlns="" xmlns:a16="http://schemas.microsoft.com/office/drawing/2014/main" val="10001"/>
                   </a:ext>
                 </a:extLst>
               </a:tr>
@@ -21517,7 +21576,7 @@
                 </a:tc>
                 <a:extLst>
                   <a:ext uri="{0D108BD9-81ED-4DB2-BD59-A6C34878D82A}">
-                    <a16:rowId xmlns:a16="http://schemas.microsoft.com/office/drawing/2014/main" xmlns="" val="10002"/>
+                    <a16:rowId xmlns="" xmlns:a16="http://schemas.microsoft.com/office/drawing/2014/main" val="10002"/>
                   </a:ext>
                 </a:extLst>
               </a:tr>
@@ -21673,7 +21732,7 @@
                 </a:tc>
                 <a:extLst>
                   <a:ext uri="{0D108BD9-81ED-4DB2-BD59-A6C34878D82A}">
-                    <a16:rowId xmlns:a16="http://schemas.microsoft.com/office/drawing/2014/main" xmlns="" val="10003"/>
+                    <a16:rowId xmlns="" xmlns:a16="http://schemas.microsoft.com/office/drawing/2014/main" val="10003"/>
                   </a:ext>
                 </a:extLst>
               </a:tr>
@@ -21812,7 +21871,7 @@
                 </a:tc>
                 <a:extLst>
                   <a:ext uri="{0D108BD9-81ED-4DB2-BD59-A6C34878D82A}">
-                    <a16:rowId xmlns:a16="http://schemas.microsoft.com/office/drawing/2014/main" xmlns="" val="10004"/>
+                    <a16:rowId xmlns="" xmlns:a16="http://schemas.microsoft.com/office/drawing/2014/main" val="10004"/>
                   </a:ext>
                 </a:extLst>
               </a:tr>
@@ -22038,7 +22097,7 @@
                 </a:tc>
                 <a:extLst>
                   <a:ext uri="{0D108BD9-81ED-4DB2-BD59-A6C34878D82A}">
-                    <a16:rowId xmlns:a16="http://schemas.microsoft.com/office/drawing/2014/main" xmlns="" val="10005"/>
+                    <a16:rowId xmlns="" xmlns:a16="http://schemas.microsoft.com/office/drawing/2014/main" val="10005"/>
                   </a:ext>
                 </a:extLst>
               </a:tr>
@@ -22184,7 +22243,7 @@
                 </a:tc>
                 <a:extLst>
                   <a:ext uri="{0D108BD9-81ED-4DB2-BD59-A6C34878D82A}">
-                    <a16:rowId xmlns:a16="http://schemas.microsoft.com/office/drawing/2014/main" xmlns="" val="10006"/>
+                    <a16:rowId xmlns="" xmlns:a16="http://schemas.microsoft.com/office/drawing/2014/main" val="10006"/>
                   </a:ext>
                 </a:extLst>
               </a:tr>
@@ -22522,7 +22581,7 @@
                 </a:tc>
                 <a:extLst>
                   <a:ext uri="{0D108BD9-81ED-4DB2-BD59-A6C34878D82A}">
-                    <a16:rowId xmlns:a16="http://schemas.microsoft.com/office/drawing/2014/main" xmlns="" val="10007"/>
+                    <a16:rowId xmlns="" xmlns:a16="http://schemas.microsoft.com/office/drawing/2014/main" val="10007"/>
                   </a:ext>
                 </a:extLst>
               </a:tr>
@@ -22671,7 +22730,7 @@
                 </a:tc>
                 <a:extLst>
                   <a:ext uri="{0D108BD9-81ED-4DB2-BD59-A6C34878D82A}">
-                    <a16:rowId xmlns:a16="http://schemas.microsoft.com/office/drawing/2014/main" xmlns="" val="10009"/>
+                    <a16:rowId xmlns="" xmlns:a16="http://schemas.microsoft.com/office/drawing/2014/main" val="10009"/>
                   </a:ext>
                 </a:extLst>
               </a:tr>
@@ -22999,14 +23058,14 @@
                 <a:gridCol w="1872208">
                   <a:extLst>
                     <a:ext uri="{9D8B030D-6E8A-4147-A177-3AD203B41FA5}">
-                      <a16:colId xmlns:a16="http://schemas.microsoft.com/office/drawing/2014/main" xmlns="" val="20000"/>
+                      <a16:colId xmlns="" xmlns:a16="http://schemas.microsoft.com/office/drawing/2014/main" val="20000"/>
                     </a:ext>
                   </a:extLst>
                 </a:gridCol>
                 <a:gridCol w="6048672">
                   <a:extLst>
                     <a:ext uri="{9D8B030D-6E8A-4147-A177-3AD203B41FA5}">
-                      <a16:colId xmlns:a16="http://schemas.microsoft.com/office/drawing/2014/main" xmlns="" val="20001"/>
+                      <a16:colId xmlns="" xmlns:a16="http://schemas.microsoft.com/office/drawing/2014/main" val="20001"/>
                     </a:ext>
                   </a:extLst>
                 </a:gridCol>
@@ -23172,7 +23231,7 @@
                 </a:tc>
                 <a:extLst>
                   <a:ext uri="{0D108BD9-81ED-4DB2-BD59-A6C34878D82A}">
-                    <a16:rowId xmlns:a16="http://schemas.microsoft.com/office/drawing/2014/main" xmlns="" val="10000"/>
+                    <a16:rowId xmlns="" xmlns:a16="http://schemas.microsoft.com/office/drawing/2014/main" val="10000"/>
                   </a:ext>
                 </a:extLst>
               </a:tr>
@@ -23350,7 +23409,7 @@
                 </a:tc>
                 <a:extLst>
                   <a:ext uri="{0D108BD9-81ED-4DB2-BD59-A6C34878D82A}">
-                    <a16:rowId xmlns:a16="http://schemas.microsoft.com/office/drawing/2014/main" xmlns="" val="10001"/>
+                    <a16:rowId xmlns="" xmlns:a16="http://schemas.microsoft.com/office/drawing/2014/main" val="10001"/>
                   </a:ext>
                 </a:extLst>
               </a:tr>
@@ -23489,7 +23548,7 @@
                 </a:tc>
                 <a:extLst>
                   <a:ext uri="{0D108BD9-81ED-4DB2-BD59-A6C34878D82A}">
-                    <a16:rowId xmlns:a16="http://schemas.microsoft.com/office/drawing/2014/main" xmlns="" val="10002"/>
+                    <a16:rowId xmlns="" xmlns:a16="http://schemas.microsoft.com/office/drawing/2014/main" val="10002"/>
                   </a:ext>
                 </a:extLst>
               </a:tr>
@@ -23648,7 +23707,7 @@
                 </a:tc>
                 <a:extLst>
                   <a:ext uri="{0D108BD9-81ED-4DB2-BD59-A6C34878D82A}">
-                    <a16:rowId xmlns:a16="http://schemas.microsoft.com/office/drawing/2014/main" xmlns="" val="10003"/>
+                    <a16:rowId xmlns="" xmlns:a16="http://schemas.microsoft.com/office/drawing/2014/main" val="10003"/>
                   </a:ext>
                 </a:extLst>
               </a:tr>
@@ -23814,7 +23873,7 @@
                 </a:tc>
                 <a:extLst>
                   <a:ext uri="{0D108BD9-81ED-4DB2-BD59-A6C34878D82A}">
-                    <a16:rowId xmlns:a16="http://schemas.microsoft.com/office/drawing/2014/main" xmlns="" val="2272455134"/>
+                    <a16:rowId xmlns="" xmlns:a16="http://schemas.microsoft.com/office/drawing/2014/main" val="2272455134"/>
                   </a:ext>
                 </a:extLst>
               </a:tr>
@@ -23911,14 +23970,14 @@
                 <a:gridCol w="1872208">
                   <a:extLst>
                     <a:ext uri="{9D8B030D-6E8A-4147-A177-3AD203B41FA5}">
-                      <a16:colId xmlns:a16="http://schemas.microsoft.com/office/drawing/2014/main" xmlns="" val="20000"/>
+                      <a16:colId xmlns="" xmlns:a16="http://schemas.microsoft.com/office/drawing/2014/main" val="20000"/>
                     </a:ext>
                   </a:extLst>
                 </a:gridCol>
                 <a:gridCol w="6048672">
                   <a:extLst>
                     <a:ext uri="{9D8B030D-6E8A-4147-A177-3AD203B41FA5}">
-                      <a16:colId xmlns:a16="http://schemas.microsoft.com/office/drawing/2014/main" xmlns="" val="20001"/>
+                      <a16:colId xmlns="" xmlns:a16="http://schemas.microsoft.com/office/drawing/2014/main" val="20001"/>
                     </a:ext>
                   </a:extLst>
                 </a:gridCol>
@@ -24084,7 +24143,7 @@
                 </a:tc>
                 <a:extLst>
                   <a:ext uri="{0D108BD9-81ED-4DB2-BD59-A6C34878D82A}">
-                    <a16:rowId xmlns:a16="http://schemas.microsoft.com/office/drawing/2014/main" xmlns="" val="10000"/>
+                    <a16:rowId xmlns="" xmlns:a16="http://schemas.microsoft.com/office/drawing/2014/main" val="10000"/>
                   </a:ext>
                 </a:extLst>
               </a:tr>
@@ -24270,7 +24329,7 @@
                 </a:tc>
                 <a:extLst>
                   <a:ext uri="{0D108BD9-81ED-4DB2-BD59-A6C34878D82A}">
-                    <a16:rowId xmlns:a16="http://schemas.microsoft.com/office/drawing/2014/main" xmlns="" val="10001"/>
+                    <a16:rowId xmlns="" xmlns:a16="http://schemas.microsoft.com/office/drawing/2014/main" val="10001"/>
                   </a:ext>
                 </a:extLst>
               </a:tr>
@@ -24409,7 +24468,7 @@
                 </a:tc>
                 <a:extLst>
                   <a:ext uri="{0D108BD9-81ED-4DB2-BD59-A6C34878D82A}">
-                    <a16:rowId xmlns:a16="http://schemas.microsoft.com/office/drawing/2014/main" xmlns="" val="10002"/>
+                    <a16:rowId xmlns="" xmlns:a16="http://schemas.microsoft.com/office/drawing/2014/main" val="10002"/>
                   </a:ext>
                 </a:extLst>
               </a:tr>
@@ -24565,7 +24624,7 @@
                 </a:tc>
                 <a:extLst>
                   <a:ext uri="{0D108BD9-81ED-4DB2-BD59-A6C34878D82A}">
-                    <a16:rowId xmlns:a16="http://schemas.microsoft.com/office/drawing/2014/main" xmlns="" val="10003"/>
+                    <a16:rowId xmlns="" xmlns:a16="http://schemas.microsoft.com/office/drawing/2014/main" val="10003"/>
                   </a:ext>
                 </a:extLst>
               </a:tr>
@@ -24791,7 +24850,7 @@
                 </a:tc>
                 <a:extLst>
                   <a:ext uri="{0D108BD9-81ED-4DB2-BD59-A6C34878D82A}">
-                    <a16:rowId xmlns:a16="http://schemas.microsoft.com/office/drawing/2014/main" xmlns="" val="10004"/>
+                    <a16:rowId xmlns="" xmlns:a16="http://schemas.microsoft.com/office/drawing/2014/main" val="10004"/>
                   </a:ext>
                 </a:extLst>
               </a:tr>
@@ -26776,7 +26835,7 @@
           <p:cNvPr id="48" name="Picture 18" descr="C:\Users\Ellie\Desktop\00번호.png">
             <a:extLst>
               <a:ext uri="{FF2B5EF4-FFF2-40B4-BE49-F238E27FC236}">
-                <a16:creationId xmlns:a16="http://schemas.microsoft.com/office/drawing/2014/main" xmlns="" id="{B1380FD5-A5A0-4F70-A317-1AF72955FC02}"/>
+                <a16:creationId xmlns="" xmlns:a16="http://schemas.microsoft.com/office/drawing/2014/main" id="{B1380FD5-A5A0-4F70-A317-1AF72955FC02}"/>
               </a:ext>
             </a:extLst>
           </p:cNvPr>
@@ -26828,7 +26887,7 @@
           <p:cNvPr id="58" name="Picture 2" descr="C:\Users\Ellie\Desktop\00 화살표.png">
             <a:extLst>
               <a:ext uri="{FF2B5EF4-FFF2-40B4-BE49-F238E27FC236}">
-                <a16:creationId xmlns:a16="http://schemas.microsoft.com/office/drawing/2014/main" xmlns="" id="{77AABC4C-14BC-4900-9177-D55745A0CAB1}"/>
+                <a16:creationId xmlns="" xmlns:a16="http://schemas.microsoft.com/office/drawing/2014/main" id="{77AABC4C-14BC-4900-9177-D55745A0CAB1}"/>
               </a:ext>
             </a:extLst>
           </p:cNvPr>
@@ -26873,7 +26932,7 @@
           <p:cNvPr id="65" name="Picture 18" descr="C:\Users\Ellie\Desktop\00번호.png">
             <a:extLst>
               <a:ext uri="{FF2B5EF4-FFF2-40B4-BE49-F238E27FC236}">
-                <a16:creationId xmlns:a16="http://schemas.microsoft.com/office/drawing/2014/main" xmlns="" id="{5A585109-88AF-4C4E-9575-082ADABF67D7}"/>
+                <a16:creationId xmlns="" xmlns:a16="http://schemas.microsoft.com/office/drawing/2014/main" id="{5A585109-88AF-4C4E-9575-082ADABF67D7}"/>
               </a:ext>
             </a:extLst>
           </p:cNvPr>
@@ -26934,44 +26993,44 @@
 </file>
 
 <file path=ppt/theme/theme1.xml><?xml version="1.0" encoding="utf-8"?>
-<a:theme xmlns:a="http://schemas.openxmlformats.org/drawingml/2006/main" name="모양">
+<a:theme xmlns:r="http://schemas.openxmlformats.org/officeDocument/2006/relationships" xmlns:c="http://schemas.openxmlformats.org/drawingml/2006/chart" xmlns:dgm="http://schemas.openxmlformats.org/drawingml/2006/diagram" xmlns:dsp="http://schemas.microsoft.com/office/drawing/2008/diagram" xmlns:a="http://schemas.openxmlformats.org/drawingml/2006/main" xmlns:pic="http://schemas.openxmlformats.org/drawingml/2006/picture" xmlns:wp="http://schemas.openxmlformats.org/drawingml/2006/wordprocessingDrawing" xmlns:xdr="http://schemas.openxmlformats.org/drawingml/2006/spreadsheetDrawing" name="모양">
   <a:themeElements>
     <a:clrScheme name="모양">
       <a:dk1>
         <a:sysClr val="windowText" lastClr="000000"/>
       </a:dk1>
       <a:lt1>
-        <a:sysClr val="window" lastClr="FFFFFF"/>
+        <a:sysClr val="window" lastClr="ffffff"/>
       </a:lt1>
       <a:dk2>
         <a:srgbClr val="323232"/>
       </a:dk2>
       <a:lt2>
-        <a:srgbClr val="E3DED1"/>
+        <a:srgbClr val="e3ded1"/>
       </a:lt2>
       <a:accent1>
-        <a:srgbClr val="F07F09"/>
+        <a:srgbClr val="f07f09"/>
       </a:accent1>
       <a:accent2>
-        <a:srgbClr val="9F2936"/>
+        <a:srgbClr val="9f2936"/>
       </a:accent2>
       <a:accent3>
-        <a:srgbClr val="1B587C"/>
+        <a:srgbClr val="1b587c"/>
       </a:accent3>
       <a:accent4>
-        <a:srgbClr val="4E8542"/>
+        <a:srgbClr val="4e8542"/>
       </a:accent4>
       <a:accent5>
         <a:srgbClr val="604878"/>
       </a:accent5>
       <a:accent6>
-        <a:srgbClr val="C19859"/>
+        <a:srgbClr val="c19859"/>
       </a:accent6>
       <a:hlink>
-        <a:srgbClr val="6B9F25"/>
+        <a:srgbClr val="6b9f25"/>
       </a:hlink>
       <a:folHlink>
-        <a:srgbClr val="B26B02"/>
+        <a:srgbClr val="b26b02"/>
       </a:folHlink>
     </a:clrScheme>
     <a:fontScheme name="모양">
@@ -27147,17 +27206,6 @@
               </a:srgbClr>
             </a:outerShdw>
           </a:effectLst>
-          <a:scene3d>
-            <a:camera prst="orthographicFront" fov="0">
-              <a:rot lat="0" lon="0" rev="0"/>
-            </a:camera>
-            <a:lightRig rig="contrasting" dir="t">
-              <a:rot lat="0" lon="0" rev="12000000"/>
-            </a:lightRig>
-          </a:scene3d>
-          <a:sp3d prstMaterial="powder">
-            <a:bevelT h="50800"/>
-          </a:sp3d>
         </a:effectStyle>
       </a:effectStyleLst>
       <a:bgFillStyleLst>
@@ -27187,8 +27235,8 @@
           </a:gsLst>
           <a:lin ang="16200000" scaled="0"/>
         </a:gradFill>
-        <a:blipFill>
-          <a:blip xmlns:r="http://schemas.openxmlformats.org/officeDocument/2006/relationships" r:embed="rId1">
+        <a:blipFill rotWithShape="1">
+          <a:blip r:embed="rId1">
             <a:duotone>
               <a:schemeClr val="phClr">
                 <a:shade val="800"/>
@@ -27205,55 +27253,53 @@
       </a:bgFillStyleLst>
     </a:fmtScheme>
   </a:themeElements>
-  <a:objectDefaults/>
-  <a:extraClrSchemeLst/>
 </a:theme>
 </file>
 
 <file path=ppt/theme/theme2.xml><?xml version="1.0" encoding="utf-8"?>
-<a:theme xmlns:a="http://schemas.openxmlformats.org/drawingml/2006/main" name="Office 테마">
+<a:theme xmlns:r="http://schemas.openxmlformats.org/officeDocument/2006/relationships" xmlns:c="http://schemas.openxmlformats.org/drawingml/2006/chart" xmlns:dgm="http://schemas.openxmlformats.org/drawingml/2006/diagram" xmlns:dsp="http://schemas.microsoft.com/office/drawing/2008/diagram" xmlns:a="http://schemas.openxmlformats.org/drawingml/2006/main" xmlns:pic="http://schemas.openxmlformats.org/drawingml/2006/picture" xmlns:wp="http://schemas.openxmlformats.org/drawingml/2006/wordprocessingDrawing" xmlns:xdr="http://schemas.openxmlformats.org/drawingml/2006/spreadsheetDrawing" name="Office 테마">
   <a:themeElements>
     <a:clrScheme name="Office">
       <a:dk1>
         <a:sysClr val="windowText" lastClr="000000"/>
       </a:dk1>
       <a:lt1>
-        <a:sysClr val="window" lastClr="FFFFFF"/>
+        <a:sysClr val="window" lastClr="ffffff"/>
       </a:lt1>
       <a:dk2>
-        <a:srgbClr val="44546A"/>
+        <a:srgbClr val="44546a"/>
       </a:dk2>
       <a:lt2>
-        <a:srgbClr val="E7E6E6"/>
+        <a:srgbClr val="e7e6e6"/>
       </a:lt2>
       <a:accent1>
-        <a:srgbClr val="4472C4"/>
+        <a:srgbClr val="4472c4"/>
       </a:accent1>
       <a:accent2>
-        <a:srgbClr val="ED7D31"/>
+        <a:srgbClr val="ed7d31"/>
       </a:accent2>
       <a:accent3>
-        <a:srgbClr val="A5A5A5"/>
+        <a:srgbClr val="a5a5a5"/>
       </a:accent3>
       <a:accent4>
-        <a:srgbClr val="FFC000"/>
+        <a:srgbClr val="ffc000"/>
       </a:accent4>
       <a:accent5>
-        <a:srgbClr val="5B9BD5"/>
+        <a:srgbClr val="5b9bd5"/>
       </a:accent5>
       <a:accent6>
-        <a:srgbClr val="70AD47"/>
+        <a:srgbClr val="70ad47"/>
       </a:accent6>
       <a:hlink>
-        <a:srgbClr val="0563C1"/>
+        <a:srgbClr val="0563c1"/>
       </a:hlink>
       <a:folHlink>
-        <a:srgbClr val="954F72"/>
+        <a:srgbClr val="954f72"/>
       </a:folHlink>
     </a:clrScheme>
     <a:fontScheme name="Office">
       <a:majorFont>
-        <a:latin typeface="맑은 고딕" panose="020F0302020204030204"/>
+        <a:latin typeface="맑은 고딕" panose="20"/>
         <a:ea typeface=""/>
         <a:cs typeface=""/>
         <a:font script="Jpan" typeface="游ゴシック Light"/>
@@ -27305,7 +27351,7 @@
         <a:font script="Tfng" typeface="Ebrima"/>
       </a:majorFont>
       <a:minorFont>
-        <a:latin typeface="맑은 고딕" panose="020F0502020204030204"/>
+        <a:latin typeface="맑은 고딕" panose="20"/>
         <a:ea typeface=""/>
         <a:cs typeface=""/>
         <a:font script="Jpan" typeface="游ゴシック"/>
@@ -27421,21 +27467,21 @@
             <a:schemeClr val="phClr"/>
           </a:solidFill>
           <a:prstDash val="solid"/>
-          <a:miter lim="800000"/>
+          <a:miter/>
         </a:ln>
         <a:ln w="12700" cap="flat" cmpd="sng" algn="ctr">
           <a:solidFill>
             <a:schemeClr val="phClr"/>
           </a:solidFill>
           <a:prstDash val="solid"/>
-          <a:miter lim="800000"/>
+          <a:miter/>
         </a:ln>
         <a:ln w="19050" cap="flat" cmpd="sng" algn="ctr">
           <a:solidFill>
             <a:schemeClr val="phClr"/>
           </a:solidFill>
           <a:prstDash val="solid"/>
-          <a:miter lim="800000"/>
+          <a:miter/>
         </a:ln>
       </a:lnStyleLst>
       <a:effectStyleLst>
@@ -27495,12 +27541,212 @@
       </a:bgFillStyleLst>
     </a:fmtScheme>
   </a:themeElements>
-  <a:objectDefaults/>
-  <a:extraClrSchemeLst/>
-  <a:extLst>
-    <a:ext uri="{05A4C25C-085E-4340-85A3-A5531E510DB2}">
-      <thm15:themeFamily xmlns:thm15="http://schemas.microsoft.com/office/thememl/2012/main" xmlns="" name="Office Theme" id="{62F939B6-93AF-4DB8-9C6B-D6C7DFDC589F}" vid="{4A3C46E8-61CC-4603-A589-7422A47A8E4A}"/>
-    </a:ext>
-  </a:extLst>
+</a:theme>
+</file>
+
+<file path=ppt/theme/theme3.xml><?xml version="1.0" encoding="utf-8"?>
+<a:theme xmlns:r="http://schemas.openxmlformats.org/officeDocument/2006/relationships" xmlns:c="http://schemas.openxmlformats.org/drawingml/2006/chart" xmlns:dgm="http://schemas.openxmlformats.org/drawingml/2006/diagram" xmlns:dsp="http://schemas.microsoft.com/office/drawing/2008/diagram" xmlns:a="http://schemas.openxmlformats.org/drawingml/2006/main" xmlns:pic="http://schemas.openxmlformats.org/drawingml/2006/picture" xmlns:wp="http://schemas.openxmlformats.org/drawingml/2006/wordprocessingDrawing" xmlns:xdr="http://schemas.openxmlformats.org/drawingml/2006/spreadsheetDrawing" name="한컴오피스">
+  <a:themeElements>
+    <a:clrScheme name="한컴오피스">
+      <a:dk1>
+        <a:sysClr val="windowText" lastClr="000000"/>
+      </a:dk1>
+      <a:lt1>
+        <a:sysClr val="window" lastClr="ffffff"/>
+      </a:lt1>
+      <a:dk2>
+        <a:srgbClr val="1c3d62"/>
+      </a:dk2>
+      <a:lt2>
+        <a:srgbClr val="e3dcc1"/>
+      </a:lt2>
+      <a:accent1>
+        <a:srgbClr val="315f97"/>
+      </a:accent1>
+      <a:accent2>
+        <a:srgbClr val="c75252"/>
+      </a:accent2>
+      <a:accent3>
+        <a:srgbClr val="e9ae2b"/>
+      </a:accent3>
+      <a:accent4>
+        <a:srgbClr val="699b37"/>
+      </a:accent4>
+      <a:accent5>
+        <a:srgbClr val="358791"/>
+      </a:accent5>
+      <a:accent6>
+        <a:srgbClr val="ca56a7"/>
+      </a:accent6>
+      <a:hlink>
+        <a:srgbClr val="0000ff"/>
+      </a:hlink>
+      <a:folHlink>
+        <a:srgbClr val="800080"/>
+      </a:folHlink>
+    </a:clrScheme>
+    <a:fontScheme name="한컴오피스">
+      <a:majorFont>
+        <a:latin typeface="함초롬돋움"/>
+        <a:ea typeface="함초롬돋움"/>
+        <a:cs typeface=""/>
+      </a:majorFont>
+      <a:minorFont>
+        <a:latin typeface="함초롬돋움"/>
+        <a:ea typeface="함초롬돋움"/>
+        <a:cs typeface=""/>
+      </a:minorFont>
+    </a:fontScheme>
+    <a:fmtScheme name="한컴오피스">
+      <a:fillStyleLst>
+        <a:solidFill>
+          <a:schemeClr val="phClr"/>
+        </a:solidFill>
+        <a:gradFill rotWithShape="1">
+          <a:gsLst>
+            <a:gs pos="0">
+              <a:schemeClr val="phClr">
+                <a:tint val="50000"/>
+                <a:satMod val="300000"/>
+              </a:schemeClr>
+            </a:gs>
+            <a:gs pos="35000">
+              <a:schemeClr val="phClr">
+                <a:tint val="37000"/>
+                <a:satMod val="300000"/>
+              </a:schemeClr>
+            </a:gs>
+            <a:gs pos="100000">
+              <a:schemeClr val="phClr">
+                <a:tint val="15000"/>
+                <a:satMod val="350000"/>
+              </a:schemeClr>
+            </a:gs>
+          </a:gsLst>
+          <a:lin ang="16200000" scaled="1"/>
+        </a:gradFill>
+        <a:gradFill rotWithShape="1">
+          <a:gsLst>
+            <a:gs pos="0">
+              <a:schemeClr val="phClr">
+                <a:shade val="51000"/>
+                <a:satMod val="130000"/>
+              </a:schemeClr>
+            </a:gs>
+            <a:gs pos="80000">
+              <a:schemeClr val="phClr">
+                <a:shade val="93000"/>
+                <a:satMod val="130000"/>
+              </a:schemeClr>
+            </a:gs>
+            <a:gs pos="100000">
+              <a:schemeClr val="phClr">
+                <a:shade val="94000"/>
+                <a:satMod val="135000"/>
+              </a:schemeClr>
+            </a:gs>
+          </a:gsLst>
+          <a:lin ang="16200000" scaled="0"/>
+        </a:gradFill>
+      </a:fillStyleLst>
+      <a:lnStyleLst>
+        <a:ln w="12700" cap="flat" cmpd="sng" algn="ctr">
+          <a:solidFill>
+            <a:schemeClr val="phClr">
+              <a:satMod val="105000"/>
+            </a:schemeClr>
+          </a:solidFill>
+          <a:prstDash val="solid"/>
+        </a:ln>
+        <a:ln w="19050" cap="flat" cmpd="sng" algn="ctr">
+          <a:solidFill>
+            <a:schemeClr val="phClr"/>
+          </a:solidFill>
+          <a:prstDash val="solid"/>
+        </a:ln>
+        <a:ln w="38100" cap="flat" cmpd="sng" algn="ctr">
+          <a:solidFill>
+            <a:schemeClr val="phClr"/>
+          </a:solidFill>
+          <a:prstDash val="solid"/>
+        </a:ln>
+      </a:lnStyleLst>
+      <a:effectStyleLst>
+        <a:effectStyle>
+          <a:effectLst>
+            <a:outerShdw blurRad="38100" dist="25400" dir="5400000" rotWithShape="0">
+              <a:srgbClr val="000000">
+                <a:alpha val="75000"/>
+              </a:srgbClr>
+            </a:outerShdw>
+          </a:effectLst>
+        </a:effectStyle>
+        <a:effectStyle>
+          <a:effectLst>
+            <a:outerShdw blurRad="38100" dist="25400" dir="5400000" rotWithShape="0">
+              <a:srgbClr val="000000">
+                <a:alpha val="75000"/>
+              </a:srgbClr>
+            </a:outerShdw>
+          </a:effectLst>
+        </a:effectStyle>
+        <a:effectStyle>
+          <a:effectLst>
+            <a:reflection blurRad="12700" stA="26000" endPos="28000" dist="38100" dir="5400000" sy="-100000" rotWithShape="0"/>
+          </a:effectLst>
+        </a:effectStyle>
+      </a:effectStyleLst>
+      <a:bgFillStyleLst>
+        <a:solidFill>
+          <a:schemeClr val="phClr"/>
+        </a:solidFill>
+        <a:gradFill rotWithShape="1">
+          <a:gsLst>
+            <a:gs pos="0">
+              <a:schemeClr val="phClr">
+                <a:tint val="40000"/>
+                <a:satMod val="350000"/>
+              </a:schemeClr>
+            </a:gs>
+            <a:gs pos="40000">
+              <a:schemeClr val="phClr">
+                <a:tint val="45000"/>
+                <a:shade val="99000"/>
+                <a:satMod val="350000"/>
+              </a:schemeClr>
+            </a:gs>
+            <a:gs pos="100000">
+              <a:schemeClr val="phClr">
+                <a:shade val="20000"/>
+                <a:satMod val="255000"/>
+              </a:schemeClr>
+            </a:gs>
+          </a:gsLst>
+          <a:path path="circle">
+            <a:fillToRect l="50000" t="-80000" r="50000" b="180000"/>
+          </a:path>
+        </a:gradFill>
+        <a:gradFill rotWithShape="1">
+          <a:gsLst>
+            <a:gs pos="0">
+              <a:schemeClr val="phClr">
+                <a:tint val="80000"/>
+                <a:satMod val="300000"/>
+              </a:schemeClr>
+            </a:gs>
+            <a:gs pos="100000">
+              <a:schemeClr val="phClr">
+                <a:shade val="30000"/>
+                <a:satMod val="200000"/>
+              </a:schemeClr>
+            </a:gs>
+          </a:gsLst>
+          <a:path path="circle">
+            <a:fillToRect l="50000" t="50000" r="50000" b="50000"/>
+          </a:path>
+        </a:gradFill>
+      </a:bgFillStyleLst>
+    </a:fmtScheme>
+  </a:themeElements>
 </a:theme>
 </file>